--- a/Documentation & Presentation/Presentation.pptx
+++ b/Documentation & Presentation/Presentation.pptx
@@ -5,22 +5,24 @@
     <p:sldMasterId id="2147483659" r:id="rId1"/>
   </p:sldMasterIdLst>
   <p:notesMasterIdLst>
-    <p:notesMasterId r:id="rId8"/>
+    <p:notesMasterId r:id="rId10"/>
   </p:notesMasterIdLst>
   <p:sldIdLst>
     <p:sldId id="256" r:id="rId2"/>
     <p:sldId id="257" r:id="rId3"/>
     <p:sldId id="258" r:id="rId4"/>
-    <p:sldId id="259" r:id="rId5"/>
-    <p:sldId id="260" r:id="rId6"/>
-    <p:sldId id="261" r:id="rId7"/>
+    <p:sldId id="260" r:id="rId5"/>
+    <p:sldId id="259" r:id="rId6"/>
+    <p:sldId id="262" r:id="rId7"/>
+    <p:sldId id="263" r:id="rId8"/>
+    <p:sldId id="261" r:id="rId9"/>
   </p:sldIdLst>
   <p:sldSz cx="9144000" cy="5143500" type="screen16x9"/>
   <p:notesSz cx="6858000" cy="9144000"/>
   <p:embeddedFontLst>
     <p:embeddedFont>
       <p:font typeface="Lexend Deca" panose="020B0604020202020204" charset="0"/>
-      <p:regular r:id="rId9"/>
+      <p:regular r:id="rId11"/>
     </p:embeddedFont>
   </p:embeddedFontLst>
   <p:defaultTextStyle>
@@ -252,6 +254,11 @@
       </a:defRPr>
     </a:lvl9pPr>
   </p:defaultTextStyle>
+  <p:extLst>
+    <p:ext uri="{EFAFB233-063F-42B5-8137-9DF3F51BA10A}">
+      <p15:sldGuideLst xmlns:p15="http://schemas.microsoft.com/office/powerpoint/2012/main"/>
+    </p:ext>
+  </p:extLst>
 </p:presentation>
 </file>
 
@@ -2663,6 +2670,16 @@
   <p:clrMapOvr>
     <a:masterClrMapping/>
   </p:clrMapOvr>
+  <p:transition spd="slow">
+    <p:cover/>
+  </p:transition>
+  <p:timing>
+    <p:tnLst>
+      <p:par>
+        <p:cTn id="1" dur="indefinite" restart="never" nodeType="tmRoot"/>
+      </p:par>
+    </p:tnLst>
+  </p:timing>
 </p:sld>
 </file>
 
@@ -3204,6 +3221,16 @@
   <p:clrMapOvr>
     <a:masterClrMapping/>
   </p:clrMapOvr>
+  <p:transition spd="slow">
+    <p:cover/>
+  </p:transition>
+  <p:timing>
+    <p:tnLst>
+      <p:par>
+        <p:cTn id="1" dur="indefinite" restart="never" nodeType="tmRoot"/>
+      </p:par>
+    </p:tnLst>
+  </p:timing>
 </p:sld>
 </file>
 
@@ -3265,8 +3292,8 @@
         </p:nvSpPr>
         <p:spPr>
           <a:xfrm>
-            <a:off x="193963" y="1565563"/>
-            <a:ext cx="4918363" cy="2677656"/>
+            <a:off x="270164" y="1143000"/>
+            <a:ext cx="3789218" cy="1754326"/>
           </a:xfrm>
           <a:prstGeom prst="rect">
             <a:avLst/>
@@ -3286,7 +3313,7 @@
               <a:buSzPts val="5000"/>
             </a:pPr>
             <a:r>
-              <a:rPr lang="bg-BG" sz="2400" b="1" dirty="0" smtClean="0">
+              <a:rPr lang="bg-BG" sz="1800" b="1" dirty="0" smtClean="0">
                 <a:solidFill>
                   <a:schemeClr val="lt1"/>
                 </a:solidFill>
@@ -3298,7 +3325,7 @@
               <a:t> Идеята ни </a:t>
             </a:r>
             <a:r>
-              <a:rPr lang="bg-BG" sz="2400" b="1" dirty="0">
+              <a:rPr lang="bg-BG" sz="1800" b="1" dirty="0">
                 <a:solidFill>
                   <a:schemeClr val="lt1"/>
                 </a:solidFill>
@@ -3310,7 +3337,7 @@
               <a:t>е да направим морски шах (</a:t>
             </a:r>
             <a:r>
-              <a:rPr lang="en-GB" sz="2400" b="1" dirty="0">
+              <a:rPr lang="en-GB" sz="1800" b="1" dirty="0">
                 <a:solidFill>
                   <a:schemeClr val="lt1"/>
                 </a:solidFill>
@@ -3322,7 +3349,7 @@
               <a:t>Tic Tac Toe</a:t>
             </a:r>
             <a:r>
-              <a:rPr lang="bg-BG" sz="2400" b="1" dirty="0" smtClean="0">
+              <a:rPr lang="bg-BG" sz="1800" b="1" dirty="0" smtClean="0">
                 <a:solidFill>
                   <a:schemeClr val="lt1"/>
                 </a:solidFill>
@@ -3333,16 +3360,8 @@
               </a:rPr>
               <a:t>).</a:t>
             </a:r>
-          </a:p>
-          <a:p>
-            <a:pPr algn="ctr">
-              <a:buClr>
-                <a:schemeClr val="lt1"/>
-              </a:buClr>
-              <a:buSzPts val="5000"/>
-            </a:pPr>
             <a:r>
-              <a:rPr lang="bg-BG" sz="2400" b="1" dirty="0" smtClean="0">
+              <a:rPr lang="bg-BG" sz="1800" b="1" dirty="0">
                 <a:solidFill>
                   <a:schemeClr val="lt1"/>
                 </a:solidFill>
@@ -3351,23 +3370,26 @@
                 <a:cs typeface="Lexend Deca"/>
                 <a:sym typeface="Lexend Deca"/>
               </a:rPr>
-              <a:t>Започнахме нашата работа като се събрахме и обсъдихме начина на работа и графика, по който ще реализираме идеята.  </a:t>
+              <a:t> </a:t>
             </a:r>
-            <a:endParaRPr lang="en-GB" sz="2400" b="1" dirty="0">
-              <a:solidFill>
-                <a:schemeClr val="lt1"/>
-              </a:solidFill>
-              <a:latin typeface="Lexend Deca"/>
-              <a:ea typeface="Lexend Deca"/>
-              <a:cs typeface="Lexend Deca"/>
-              <a:sym typeface="Lexend Deca"/>
-            </a:endParaRPr>
+            <a:r>
+              <a:rPr lang="bg-BG" sz="1800" b="1" dirty="0" smtClean="0">
+                <a:solidFill>
+                  <a:schemeClr val="lt1"/>
+                </a:solidFill>
+                <a:latin typeface="Lexend Deca"/>
+                <a:ea typeface="Lexend Deca"/>
+                <a:cs typeface="Lexend Deca"/>
+                <a:sym typeface="Lexend Deca"/>
+              </a:rPr>
+              <a:t>Целта на играта е да успееш да наредиш три еднакви знака хоризонтално, вертикално или диагонално. </a:t>
+            </a:r>
           </a:p>
         </p:txBody>
       </p:sp>
       <p:pic>
         <p:nvPicPr>
-          <p:cNvPr id="1026" name="Picture 2" descr="Tic-tac-toe | Board Games Galore Wiki | Fandom"/>
+          <p:cNvPr id="2050" name="Picture 2" descr="✅ Symbol of having an idea with businessman pointing at light bulb premium  vector in Adobe Illustrator ai ( .ai ) format, Encapsulated PostScript eps  ( .eps ) format"/>
           <p:cNvPicPr>
             <a:picLocks noChangeAspect="1" noChangeArrowheads="1"/>
           </p:cNvPicPr>
@@ -3388,8 +3410,47 @@
         </p:blipFill>
         <p:spPr bwMode="auto">
           <a:xfrm>
-            <a:off x="6154593" y="1841449"/>
-            <a:ext cx="2019589" cy="2125883"/>
+            <a:off x="4790707" y="1143000"/>
+            <a:ext cx="2953984" cy="3320797"/>
+          </a:xfrm>
+          <a:prstGeom prst="rect">
+            <a:avLst/>
+          </a:prstGeom>
+          <a:noFill/>
+          <a:extLst>
+            <a:ext uri="{909E8E84-426E-40DD-AFC4-6F175D3DCCD1}">
+              <a14:hiddenFill xmlns:a14="http://schemas.microsoft.com/office/drawing/2010/main">
+                <a:solidFill>
+                  <a:srgbClr val="FFFFFF"/>
+                </a:solidFill>
+              </a14:hiddenFill>
+            </a:ext>
+          </a:extLst>
+        </p:spPr>
+      </p:pic>
+      <p:pic>
+        <p:nvPicPr>
+          <p:cNvPr id="2052" name="Picture 4" descr="Multiplayer Tic Tac Toe Game in React Native for iOS and Android: Lobby and  Joining | PubNub"/>
+          <p:cNvPicPr>
+            <a:picLocks noChangeAspect="1" noChangeArrowheads="1"/>
+          </p:cNvPicPr>
+          <p:nvPr/>
+        </p:nvPicPr>
+        <p:blipFill rotWithShape="1">
+          <a:blip r:embed="rId3">
+            <a:extLst>
+              <a:ext uri="{28A0092B-C50C-407E-A947-70E740481C1C}">
+                <a14:useLocalDpi xmlns:a14="http://schemas.microsoft.com/office/drawing/2010/main" val="0"/>
+              </a:ext>
+            </a:extLst>
+          </a:blip>
+          <a:srcRect l="28499" t="499" r="28040" b="1"/>
+          <a:stretch/>
+        </p:blipFill>
+        <p:spPr bwMode="auto">
+          <a:xfrm>
+            <a:off x="1168235" y="2984974"/>
+            <a:ext cx="1990601" cy="1909344"/>
           </a:xfrm>
           <a:prstGeom prst="rect">
             <a:avLst/>
@@ -3416,6 +3477,16 @@
   <p:clrMapOvr>
     <a:masterClrMapping/>
   </p:clrMapOvr>
+  <p:transition spd="slow">
+    <p:cover/>
+  </p:transition>
+  <p:timing>
+    <p:tnLst>
+      <p:par>
+        <p:cTn id="1" dur="indefinite" restart="never" nodeType="tmRoot"/>
+      </p:par>
+    </p:tnLst>
+  </p:timing>
 </p:sld>
 </file>
 
@@ -3448,7 +3519,251 @@
         </p:nvSpPr>
         <p:spPr>
           <a:xfrm>
-            <a:off x="0" y="-716"/>
+            <a:off x="0" y="-34651"/>
+            <a:ext cx="9144000" cy="1159800"/>
+          </a:xfrm>
+        </p:spPr>
+        <p:txBody>
+          <a:bodyPr/>
+          <a:lstStyle/>
+          <a:p>
+            <a:pPr algn="ctr"/>
+            <a:r>
+              <a:rPr lang="bg-BG" dirty="0" smtClean="0"/>
+              <a:t>Етапи на работа</a:t>
+            </a:r>
+            <a:endParaRPr lang="en-GB" dirty="0"/>
+          </a:p>
+        </p:txBody>
+      </p:sp>
+      <p:pic>
+        <p:nvPicPr>
+          <p:cNvPr id="3074" name="Picture 2" descr="4 Reasons Why Your Organization Needs A Learning Culture - eLearning  Industry"/>
+          <p:cNvPicPr>
+            <a:picLocks noChangeAspect="1" noChangeArrowheads="1"/>
+          </p:cNvPicPr>
+          <p:nvPr/>
+        </p:nvPicPr>
+        <p:blipFill>
+          <a:blip r:embed="rId2">
+            <a:extLst>
+              <a:ext uri="{28A0092B-C50C-407E-A947-70E740481C1C}">
+                <a14:useLocalDpi xmlns:a14="http://schemas.microsoft.com/office/drawing/2010/main" val="0"/>
+              </a:ext>
+            </a:extLst>
+          </a:blip>
+          <a:srcRect/>
+          <a:stretch>
+            <a:fillRect/>
+          </a:stretch>
+        </p:blipFill>
+        <p:spPr bwMode="auto">
+          <a:xfrm>
+            <a:off x="490656" y="2742644"/>
+            <a:ext cx="3928944" cy="2101986"/>
+          </a:xfrm>
+          <a:prstGeom prst="rect">
+            <a:avLst/>
+          </a:prstGeom>
+          <a:noFill/>
+          <a:extLst>
+            <a:ext uri="{909E8E84-426E-40DD-AFC4-6F175D3DCCD1}">
+              <a14:hiddenFill xmlns:a14="http://schemas.microsoft.com/office/drawing/2010/main">
+                <a:solidFill>
+                  <a:srgbClr val="FFFFFF"/>
+                </a:solidFill>
+              </a14:hiddenFill>
+            </a:ext>
+          </a:extLst>
+        </p:spPr>
+      </p:pic>
+      <p:pic>
+        <p:nvPicPr>
+          <p:cNvPr id="3076" name="Picture 4" descr="Four signs that your organization needs a GRC platform | VComply Blog"/>
+          <p:cNvPicPr>
+            <a:picLocks noChangeAspect="1" noChangeArrowheads="1"/>
+          </p:cNvPicPr>
+          <p:nvPr/>
+        </p:nvPicPr>
+        <p:blipFill rotWithShape="1">
+          <a:blip r:embed="rId3">
+            <a:extLst>
+              <a:ext uri="{28A0092B-C50C-407E-A947-70E740481C1C}">
+                <a14:useLocalDpi xmlns:a14="http://schemas.microsoft.com/office/drawing/2010/main" val="0"/>
+              </a:ext>
+            </a:extLst>
+          </a:blip>
+          <a:srcRect l="18208" t="3486" r="14766"/>
+          <a:stretch/>
+        </p:blipFill>
+        <p:spPr bwMode="auto">
+          <a:xfrm>
+            <a:off x="5063835" y="2743200"/>
+            <a:ext cx="3738517" cy="2101430"/>
+          </a:xfrm>
+          <a:prstGeom prst="rect">
+            <a:avLst/>
+          </a:prstGeom>
+          <a:noFill/>
+          <a:extLst>
+            <a:ext uri="{909E8E84-426E-40DD-AFC4-6F175D3DCCD1}">
+              <a14:hiddenFill xmlns:a14="http://schemas.microsoft.com/office/drawing/2010/main">
+                <a:solidFill>
+                  <a:srgbClr val="FFFFFF"/>
+                </a:solidFill>
+              </a14:hiddenFill>
+            </a:ext>
+          </a:extLst>
+        </p:spPr>
+      </p:pic>
+      <p:sp>
+        <p:nvSpPr>
+          <p:cNvPr id="3" name="TextBox 2"/>
+          <p:cNvSpPr txBox="1"/>
+          <p:nvPr/>
+        </p:nvSpPr>
+        <p:spPr>
+          <a:xfrm>
+            <a:off x="596260" y="1027561"/>
+            <a:ext cx="5139522" cy="1569660"/>
+          </a:xfrm>
+          <a:prstGeom prst="rect">
+            <a:avLst/>
+          </a:prstGeom>
+          <a:noFill/>
+        </p:spPr>
+        <p:txBody>
+          <a:bodyPr wrap="square" rtlCol="0">
+            <a:spAutoFit/>
+          </a:bodyPr>
+          <a:lstStyle/>
+          <a:p>
+            <a:r>
+              <a:rPr lang="bg-BG" sz="2400" b="1" dirty="0" smtClean="0">
+                <a:solidFill>
+                  <a:schemeClr val="bg1"/>
+                </a:solidFill>
+                <a:latin typeface="Arial" panose="020B0604020202020204" pitchFamily="34" charset="0"/>
+                <a:cs typeface="Arial" panose="020B0604020202020204" pitchFamily="34" charset="0"/>
+              </a:rPr>
+              <a:t>1.Разпределяне на задачите.</a:t>
+            </a:r>
+          </a:p>
+          <a:p>
+            <a:r>
+              <a:rPr lang="bg-BG" sz="2400" b="1" dirty="0" smtClean="0">
+                <a:solidFill>
+                  <a:schemeClr val="bg1"/>
+                </a:solidFill>
+                <a:latin typeface="Arial" panose="020B0604020202020204" pitchFamily="34" charset="0"/>
+                <a:cs typeface="Arial" panose="020B0604020202020204" pitchFamily="34" charset="0"/>
+              </a:rPr>
+              <a:t>2.Направа на график на работа</a:t>
+            </a:r>
+            <a:r>
+              <a:rPr lang="en-GB" sz="2400" b="1" dirty="0" smtClean="0">
+                <a:solidFill>
+                  <a:schemeClr val="bg1"/>
+                </a:solidFill>
+                <a:latin typeface="Arial" panose="020B0604020202020204" pitchFamily="34" charset="0"/>
+                <a:cs typeface="Arial" panose="020B0604020202020204" pitchFamily="34" charset="0"/>
+              </a:rPr>
+              <a:t>.</a:t>
+            </a:r>
+            <a:endParaRPr lang="bg-BG" sz="2400" b="1" dirty="0" smtClean="0">
+              <a:solidFill>
+                <a:schemeClr val="bg1"/>
+              </a:solidFill>
+              <a:latin typeface="Arial" panose="020B0604020202020204" pitchFamily="34" charset="0"/>
+              <a:cs typeface="Arial" panose="020B0604020202020204" pitchFamily="34" charset="0"/>
+            </a:endParaRPr>
+          </a:p>
+          <a:p>
+            <a:r>
+              <a:rPr lang="bg-BG" sz="2400" b="1" dirty="0" smtClean="0">
+                <a:solidFill>
+                  <a:schemeClr val="bg1"/>
+                </a:solidFill>
+                <a:latin typeface="Arial" panose="020B0604020202020204" pitchFamily="34" charset="0"/>
+                <a:cs typeface="Arial" panose="020B0604020202020204" pitchFamily="34" charset="0"/>
+              </a:rPr>
+              <a:t>3.Реализация на проекта.</a:t>
+            </a:r>
+          </a:p>
+          <a:p>
+            <a:r>
+              <a:rPr lang="bg-BG" sz="2400" b="1" dirty="0" smtClean="0">
+                <a:solidFill>
+                  <a:schemeClr val="bg1"/>
+                </a:solidFill>
+                <a:latin typeface="Arial" panose="020B0604020202020204" pitchFamily="34" charset="0"/>
+                <a:cs typeface="Arial" panose="020B0604020202020204" pitchFamily="34" charset="0"/>
+              </a:rPr>
+              <a:t>4. Затруднения.</a:t>
+            </a:r>
+            <a:endParaRPr lang="en-GB" sz="2400" b="1" dirty="0">
+              <a:solidFill>
+                <a:schemeClr val="bg1"/>
+              </a:solidFill>
+              <a:latin typeface="Arial" panose="020B0604020202020204" pitchFamily="34" charset="0"/>
+              <a:cs typeface="Arial" panose="020B0604020202020204" pitchFamily="34" charset="0"/>
+            </a:endParaRPr>
+          </a:p>
+        </p:txBody>
+      </p:sp>
+    </p:spTree>
+    <p:extLst>
+      <p:ext uri="{BB962C8B-B14F-4D97-AF65-F5344CB8AC3E}">
+        <p14:creationId xmlns:p14="http://schemas.microsoft.com/office/powerpoint/2010/main" val="3129285837"/>
+      </p:ext>
+    </p:extLst>
+  </p:cSld>
+  <p:clrMapOvr>
+    <a:masterClrMapping/>
+  </p:clrMapOvr>
+  <p:transition spd="slow">
+    <p:cover/>
+  </p:transition>
+  <p:timing>
+    <p:tnLst>
+      <p:par>
+        <p:cTn id="1" dur="indefinite" restart="never" nodeType="tmRoot"/>
+      </p:par>
+    </p:tnLst>
+  </p:timing>
+</p:sld>
+</file>
+
+<file path=ppt/slides/slide5.xml><?xml version="1.0" encoding="utf-8"?>
+<p:sld xmlns:a="http://schemas.openxmlformats.org/drawingml/2006/main" xmlns:r="http://schemas.openxmlformats.org/officeDocument/2006/relationships" xmlns:p="http://schemas.openxmlformats.org/presentationml/2006/main">
+  <p:cSld>
+    <p:spTree>
+      <p:nvGrpSpPr>
+        <p:cNvPr id="1" name=""/>
+        <p:cNvGrpSpPr/>
+        <p:nvPr/>
+      </p:nvGrpSpPr>
+      <p:grpSpPr>
+        <a:xfrm>
+          <a:off x="0" y="0"/>
+          <a:ext cx="0" cy="0"/>
+          <a:chOff x="0" y="0"/>
+          <a:chExt cx="0" cy="0"/>
+        </a:xfrm>
+      </p:grpSpPr>
+      <p:sp>
+        <p:nvSpPr>
+          <p:cNvPr id="2" name="Title 1"/>
+          <p:cNvSpPr>
+            <a:spLocks noGrp="1"/>
+          </p:cNvSpPr>
+          <p:nvPr>
+            <p:ph type="ctrTitle"/>
+          </p:nvPr>
+        </p:nvSpPr>
+        <p:spPr>
+          <a:xfrm>
+            <a:off x="0" y="-116933"/>
             <a:ext cx="9144000" cy="1097739"/>
           </a:xfrm>
         </p:spPr>
@@ -3487,8 +3802,8 @@
         </p:blipFill>
         <p:spPr>
           <a:xfrm>
-            <a:off x="1178882" y="1009968"/>
-            <a:ext cx="1799844" cy="1590651"/>
+            <a:off x="615812" y="970471"/>
+            <a:ext cx="1543476" cy="1364080"/>
           </a:xfrm>
           <a:prstGeom prst="roundRect">
             <a:avLst>
@@ -3529,8 +3844,8 @@
         </p:blipFill>
         <p:spPr bwMode="auto">
           <a:xfrm>
-            <a:off x="1178882" y="2999681"/>
-            <a:ext cx="1823630" cy="1607127"/>
+            <a:off x="592026" y="2982186"/>
+            <a:ext cx="1536661" cy="1354227"/>
           </a:xfrm>
           <a:prstGeom prst="roundRect">
             <a:avLst>
@@ -3548,6 +3863,39 @@
           <a:effectLst>
             <a:reflection blurRad="12700" stA="38000" endPos="28000" dist="5000" dir="5400000" sy="-100000" algn="bl" rotWithShape="0"/>
           </a:effectLst>
+          <a:extLst/>
+        </p:spPr>
+      </p:pic>
+      <p:pic>
+        <p:nvPicPr>
+          <p:cNvPr id="2056" name="Picture 8" descr="Visual Studio logo and symbol, meaning, history, PNG"/>
+          <p:cNvPicPr>
+            <a:picLocks noChangeAspect="1" noChangeArrowheads="1"/>
+          </p:cNvPicPr>
+          <p:nvPr/>
+        </p:nvPicPr>
+        <p:blipFill>
+          <a:blip r:embed="rId4">
+            <a:extLst>
+              <a:ext uri="{28A0092B-C50C-407E-A947-70E740481C1C}">
+                <a14:useLocalDpi xmlns:a14="http://schemas.microsoft.com/office/drawing/2010/main" val="0"/>
+              </a:ext>
+            </a:extLst>
+          </a:blip>
+          <a:srcRect/>
+          <a:stretch>
+            <a:fillRect/>
+          </a:stretch>
+        </p:blipFill>
+        <p:spPr bwMode="auto">
+          <a:xfrm>
+            <a:off x="2369026" y="2982186"/>
+            <a:ext cx="2604930" cy="1628081"/>
+          </a:xfrm>
+          <a:prstGeom prst="rect">
+            <a:avLst/>
+          </a:prstGeom>
+          <a:noFill/>
           <a:extLst>
             <a:ext uri="{909E8E84-426E-40DD-AFC4-6F175D3DCCD1}">
               <a14:hiddenFill xmlns:a14="http://schemas.microsoft.com/office/drawing/2010/main">
@@ -3561,27 +3909,27 @@
       </p:pic>
       <p:pic>
         <p:nvPicPr>
-          <p:cNvPr id="2054" name="Picture 6" descr="GitHub Logos and Usage · GitHub"/>
+          <p:cNvPr id="1030" name="Picture 6" descr="Microsoft Teams - All in one - IPD NOW"/>
           <p:cNvPicPr>
             <a:picLocks noChangeAspect="1" noChangeArrowheads="1"/>
           </p:cNvPicPr>
           <p:nvPr/>
         </p:nvPicPr>
         <p:blipFill rotWithShape="1">
-          <a:blip r:embed="rId4">
+          <a:blip r:embed="rId5">
             <a:extLst>
               <a:ext uri="{28A0092B-C50C-407E-A947-70E740481C1C}">
                 <a14:useLocalDpi xmlns:a14="http://schemas.microsoft.com/office/drawing/2010/main" val="0"/>
               </a:ext>
             </a:extLst>
           </a:blip>
-          <a:srcRect l="24311" t="27872" r="24436" b="14845"/>
+          <a:srcRect l="7135" t="1784" r="9747" b="1504"/>
           <a:stretch/>
         </p:blipFill>
         <p:spPr bwMode="auto">
           <a:xfrm>
-            <a:off x="5070763" y="991252"/>
-            <a:ext cx="1456744" cy="1628081"/>
+            <a:off x="7006944" y="1988127"/>
+            <a:ext cx="1849582" cy="1394908"/>
           </a:xfrm>
           <a:prstGeom prst="roundRect">
             <a:avLst>
@@ -3599,27 +3947,19 @@
           <a:effectLst>
             <a:reflection blurRad="12700" stA="38000" endPos="28000" dist="5000" dir="5400000" sy="-100000" algn="bl" rotWithShape="0"/>
           </a:effectLst>
-          <a:extLst>
-            <a:ext uri="{909E8E84-426E-40DD-AFC4-6F175D3DCCD1}">
-              <a14:hiddenFill xmlns:a14="http://schemas.microsoft.com/office/drawing/2010/main">
-                <a:solidFill>
-                  <a:srgbClr val="FFFFFF"/>
-                </a:solidFill>
-              </a14:hiddenFill>
-            </a:ext>
-          </a:extLst>
+          <a:extLst/>
         </p:spPr>
       </p:pic>
       <p:pic>
         <p:nvPicPr>
-          <p:cNvPr id="2056" name="Picture 8" descr="Visual Studio logo and symbol, meaning, history, PNG"/>
+          <p:cNvPr id="1034" name="Picture 10" descr="Free Icon Download | Github Logo"/>
           <p:cNvPicPr>
             <a:picLocks noChangeAspect="1" noChangeArrowheads="1"/>
           </p:cNvPicPr>
           <p:nvPr/>
         </p:nvPicPr>
         <p:blipFill>
-          <a:blip r:embed="rId5">
+          <a:blip r:embed="rId6">
             <a:extLst>
               <a:ext uri="{28A0092B-C50C-407E-A947-70E740481C1C}">
                 <a14:useLocalDpi xmlns:a14="http://schemas.microsoft.com/office/drawing/2010/main" val="0"/>
@@ -3633,8 +3973,90 @@
         </p:blipFill>
         <p:spPr bwMode="auto">
           <a:xfrm>
-            <a:off x="4496670" y="3049586"/>
-            <a:ext cx="2604930" cy="1628081"/>
+            <a:off x="2962427" y="1012692"/>
+            <a:ext cx="1418127" cy="1418127"/>
+          </a:xfrm>
+          <a:prstGeom prst="rect">
+            <a:avLst/>
+          </a:prstGeom>
+          <a:noFill/>
+          <a:extLst>
+            <a:ext uri="{909E8E84-426E-40DD-AFC4-6F175D3DCCD1}">
+              <a14:hiddenFill xmlns:a14="http://schemas.microsoft.com/office/drawing/2010/main">
+                <a:solidFill>
+                  <a:srgbClr val="FFFFFF"/>
+                </a:solidFill>
+              </a14:hiddenFill>
+            </a:ext>
+          </a:extLst>
+        </p:spPr>
+      </p:pic>
+      <p:pic>
+        <p:nvPicPr>
+          <p:cNvPr id="1036" name="Picture 12" descr="File:Facebook Messenger logo 2020.svg - Wikimedia Commons"/>
+          <p:cNvPicPr>
+            <a:picLocks noChangeAspect="1" noChangeArrowheads="1"/>
+          </p:cNvPicPr>
+          <p:nvPr/>
+        </p:nvPicPr>
+        <p:blipFill>
+          <a:blip r:embed="rId7">
+            <a:extLst>
+              <a:ext uri="{28A0092B-C50C-407E-A947-70E740481C1C}">
+                <a14:useLocalDpi xmlns:a14="http://schemas.microsoft.com/office/drawing/2010/main" val="0"/>
+              </a:ext>
+            </a:extLst>
+          </a:blip>
+          <a:srcRect/>
+          <a:stretch>
+            <a:fillRect/>
+          </a:stretch>
+        </p:blipFill>
+        <p:spPr bwMode="auto">
+          <a:xfrm>
+            <a:off x="5137616" y="1044579"/>
+            <a:ext cx="1354354" cy="1354354"/>
+          </a:xfrm>
+          <a:prstGeom prst="rect">
+            <a:avLst/>
+          </a:prstGeom>
+          <a:noFill/>
+          <a:extLst>
+            <a:ext uri="{909E8E84-426E-40DD-AFC4-6F175D3DCCD1}">
+              <a14:hiddenFill xmlns:a14="http://schemas.microsoft.com/office/drawing/2010/main">
+                <a:solidFill>
+                  <a:srgbClr val="FFFFFF"/>
+                </a:solidFill>
+              </a14:hiddenFill>
+            </a:ext>
+          </a:extLst>
+        </p:spPr>
+      </p:pic>
+      <p:pic>
+        <p:nvPicPr>
+          <p:cNvPr id="1038" name="Picture 14" descr="Discord, logo, logos icon - Free download on Iconfinder"/>
+          <p:cNvPicPr>
+            <a:picLocks noChangeAspect="1" noChangeArrowheads="1"/>
+          </p:cNvPicPr>
+          <p:nvPr/>
+        </p:nvPicPr>
+        <p:blipFill>
+          <a:blip r:embed="rId8">
+            <a:extLst>
+              <a:ext uri="{28A0092B-C50C-407E-A947-70E740481C1C}">
+                <a14:useLocalDpi xmlns:a14="http://schemas.microsoft.com/office/drawing/2010/main" val="0"/>
+              </a:ext>
+            </a:extLst>
+          </a:blip>
+          <a:srcRect/>
+          <a:stretch>
+            <a:fillRect/>
+          </a:stretch>
+        </p:blipFill>
+        <p:spPr bwMode="auto">
+          <a:xfrm>
+            <a:off x="5055754" y="2982185"/>
+            <a:ext cx="1623651" cy="1623651"/>
           </a:xfrm>
           <a:prstGeom prst="rect">
             <a:avLst/>
@@ -3661,10 +4083,20 @@
   <p:clrMapOvr>
     <a:masterClrMapping/>
   </p:clrMapOvr>
+  <p:transition spd="slow">
+    <p:cover/>
+  </p:transition>
+  <p:timing>
+    <p:tnLst>
+      <p:par>
+        <p:cTn id="1" dur="indefinite" restart="never" nodeType="tmRoot"/>
+      </p:par>
+    </p:tnLst>
+  </p:timing>
 </p:sld>
 </file>
 
-<file path=ppt/slides/slide5.xml><?xml version="1.0" encoding="utf-8"?>
+<file path=ppt/slides/slide6.xml><?xml version="1.0" encoding="utf-8"?>
 <p:sld xmlns:a="http://schemas.openxmlformats.org/drawingml/2006/main" xmlns:r="http://schemas.openxmlformats.org/officeDocument/2006/relationships" xmlns:p="http://schemas.openxmlformats.org/presentationml/2006/main">
   <p:cSld>
     <p:spTree>
@@ -3693,7 +4125,115 @@
         </p:nvSpPr>
         <p:spPr>
           <a:xfrm>
-            <a:off x="0" y="52188"/>
+            <a:off x="0" y="0"/>
+            <a:ext cx="9143999" cy="997527"/>
+          </a:xfrm>
+        </p:spPr>
+        <p:txBody>
+          <a:bodyPr/>
+          <a:lstStyle/>
+          <a:p>
+            <a:pPr algn="ctr"/>
+            <a:r>
+              <a:rPr lang="bg-BG" dirty="0" smtClean="0"/>
+              <a:t>Диаграма на играта</a:t>
+            </a:r>
+            <a:endParaRPr lang="en-GB" dirty="0"/>
+          </a:p>
+        </p:txBody>
+      </p:sp>
+      <p:pic>
+        <p:nvPicPr>
+          <p:cNvPr id="1026" name="Picture 2" descr="https://media.discordapp.net/attachments/776808240808984597/783779144534196244/diagram.png?width=1200&amp;height=235"/>
+          <p:cNvPicPr>
+            <a:picLocks noChangeAspect="1" noChangeArrowheads="1"/>
+          </p:cNvPicPr>
+          <p:nvPr/>
+        </p:nvPicPr>
+        <p:blipFill rotWithShape="1">
+          <a:blip r:embed="rId2">
+            <a:extLst>
+              <a:ext uri="{28A0092B-C50C-407E-A947-70E740481C1C}">
+                <a14:useLocalDpi xmlns:a14="http://schemas.microsoft.com/office/drawing/2010/main" val="0"/>
+              </a:ext>
+            </a:extLst>
+          </a:blip>
+          <a:srcRect t="-1" r="-496" b="-4575"/>
+          <a:stretch/>
+        </p:blipFill>
+        <p:spPr bwMode="auto">
+          <a:xfrm>
+            <a:off x="186445" y="1739898"/>
+            <a:ext cx="8814680" cy="1796257"/>
+          </a:xfrm>
+          <a:prstGeom prst="rect">
+            <a:avLst/>
+          </a:prstGeom>
+          <a:noFill/>
+          <a:extLst>
+            <a:ext uri="{909E8E84-426E-40DD-AFC4-6F175D3DCCD1}">
+              <a14:hiddenFill xmlns:a14="http://schemas.microsoft.com/office/drawing/2010/main">
+                <a:solidFill>
+                  <a:srgbClr val="FFFFFF"/>
+                </a:solidFill>
+              </a14:hiddenFill>
+            </a:ext>
+          </a:extLst>
+        </p:spPr>
+      </p:pic>
+    </p:spTree>
+    <p:extLst>
+      <p:ext uri="{BB962C8B-B14F-4D97-AF65-F5344CB8AC3E}">
+        <p14:creationId xmlns:p14="http://schemas.microsoft.com/office/powerpoint/2010/main" val="1201806574"/>
+      </p:ext>
+    </p:extLst>
+  </p:cSld>
+  <p:clrMapOvr>
+    <a:masterClrMapping/>
+  </p:clrMapOvr>
+  <p:transition spd="slow">
+    <p:cover/>
+  </p:transition>
+  <p:timing>
+    <p:tnLst>
+      <p:par>
+        <p:cTn id="1" dur="indefinite" restart="never" nodeType="tmRoot"/>
+      </p:par>
+    </p:tnLst>
+  </p:timing>
+</p:sld>
+</file>
+
+<file path=ppt/slides/slide7.xml><?xml version="1.0" encoding="utf-8"?>
+<p:sld xmlns:a="http://schemas.openxmlformats.org/drawingml/2006/main" xmlns:r="http://schemas.openxmlformats.org/officeDocument/2006/relationships" xmlns:p="http://schemas.openxmlformats.org/presentationml/2006/main">
+  <p:cSld>
+    <p:spTree>
+      <p:nvGrpSpPr>
+        <p:cNvPr id="1" name=""/>
+        <p:cNvGrpSpPr/>
+        <p:nvPr/>
+      </p:nvGrpSpPr>
+      <p:grpSpPr>
+        <a:xfrm>
+          <a:off x="0" y="0"/>
+          <a:ext cx="0" cy="0"/>
+          <a:chOff x="0" y="0"/>
+          <a:chExt cx="0" cy="0"/>
+        </a:xfrm>
+      </p:grpSpPr>
+      <p:sp>
+        <p:nvSpPr>
+          <p:cNvPr id="2" name="Title 1"/>
+          <p:cNvSpPr>
+            <a:spLocks noGrp="1"/>
+          </p:cNvSpPr>
+          <p:nvPr>
+            <p:ph type="ctrTitle"/>
+          </p:nvPr>
+        </p:nvSpPr>
+        <p:spPr>
+          <a:xfrm>
+            <a:off x="0" y="0"/>
             <a:ext cx="9144000" cy="1159800"/>
           </a:xfrm>
         </p:spPr>
@@ -3704,7 +4244,7 @@
             <a:pPr algn="ctr"/>
             <a:r>
               <a:rPr lang="bg-BG" dirty="0" smtClean="0"/>
-              <a:t>Таблица с функции</a:t>
+              <a:t>Пример</a:t>
             </a:r>
             <a:endParaRPr lang="en-GB" dirty="0"/>
           </a:p>
@@ -3713,17 +4253,24 @@
     </p:spTree>
     <p:extLst>
       <p:ext uri="{BB962C8B-B14F-4D97-AF65-F5344CB8AC3E}">
-        <p14:creationId xmlns:p14="http://schemas.microsoft.com/office/powerpoint/2010/main" val="3129285837"/>
+        <p14:creationId xmlns:p14="http://schemas.microsoft.com/office/powerpoint/2010/main" val="1733871444"/>
       </p:ext>
     </p:extLst>
   </p:cSld>
   <p:clrMapOvr>
     <a:masterClrMapping/>
   </p:clrMapOvr>
+  <p:timing>
+    <p:tnLst>
+      <p:par>
+        <p:cTn id="1" dur="indefinite" restart="never" nodeType="tmRoot"/>
+      </p:par>
+    </p:tnLst>
+  </p:timing>
 </p:sld>
 </file>
 
-<file path=ppt/slides/slide6.xml><?xml version="1.0" encoding="utf-8"?>
+<file path=ppt/slides/slide8.xml><?xml version="1.0" encoding="utf-8"?>
 <p:sld xmlns:a="http://schemas.openxmlformats.org/drawingml/2006/main" xmlns:r="http://schemas.openxmlformats.org/officeDocument/2006/relationships" xmlns:p="http://schemas.openxmlformats.org/presentationml/2006/main">
   <p:cSld>
     <p:spTree>
@@ -3779,6 +4326,16 @@
   <p:clrMapOvr>
     <a:masterClrMapping/>
   </p:clrMapOvr>
+  <p:transition spd="slow">
+    <p:cover/>
+  </p:transition>
+  <p:timing>
+    <p:tnLst>
+      <p:par>
+        <p:cTn id="1" dur="indefinite" restart="never" nodeType="tmRoot"/>
+      </p:par>
+    </p:tnLst>
+  </p:timing>
 </p:sld>
 </file>
 

--- a/Documentation & Presentation/Presentation.pptx
+++ b/Documentation & Presentation/Presentation.pptx
@@ -3292,8 +3292,8 @@
         </p:nvSpPr>
         <p:spPr>
           <a:xfrm>
-            <a:off x="270164" y="1143000"/>
-            <a:ext cx="3789218" cy="1754326"/>
+            <a:off x="-27709" y="2784763"/>
+            <a:ext cx="3789218" cy="369332"/>
           </a:xfrm>
           <a:prstGeom prst="rect">
             <a:avLst/>
@@ -3322,67 +3322,7 @@
                 <a:cs typeface="Lexend Deca"/>
                 <a:sym typeface="Lexend Deca"/>
               </a:rPr>
-              <a:t> Идеята ни </a:t>
-            </a:r>
-            <a:r>
-              <a:rPr lang="bg-BG" sz="1800" b="1" dirty="0">
-                <a:solidFill>
-                  <a:schemeClr val="lt1"/>
-                </a:solidFill>
-                <a:latin typeface="Lexend Deca"/>
-                <a:ea typeface="Lexend Deca"/>
-                <a:cs typeface="Lexend Deca"/>
-                <a:sym typeface="Lexend Deca"/>
-              </a:rPr>
-              <a:t>е да направим морски шах (</a:t>
-            </a:r>
-            <a:r>
-              <a:rPr lang="en-GB" sz="1800" b="1" dirty="0">
-                <a:solidFill>
-                  <a:schemeClr val="lt1"/>
-                </a:solidFill>
-                <a:latin typeface="Lexend Deca"/>
-                <a:ea typeface="Lexend Deca"/>
-                <a:cs typeface="Lexend Deca"/>
-                <a:sym typeface="Lexend Deca"/>
-              </a:rPr>
-              <a:t>Tic Tac Toe</a:t>
-            </a:r>
-            <a:r>
-              <a:rPr lang="bg-BG" sz="1800" b="1" dirty="0" smtClean="0">
-                <a:solidFill>
-                  <a:schemeClr val="lt1"/>
-                </a:solidFill>
-                <a:latin typeface="Lexend Deca"/>
-                <a:ea typeface="Lexend Deca"/>
-                <a:cs typeface="Lexend Deca"/>
-                <a:sym typeface="Lexend Deca"/>
-              </a:rPr>
-              <a:t>).</a:t>
-            </a:r>
-            <a:r>
-              <a:rPr lang="bg-BG" sz="1800" b="1" dirty="0">
-                <a:solidFill>
-                  <a:schemeClr val="lt1"/>
-                </a:solidFill>
-                <a:latin typeface="Lexend Deca"/>
-                <a:ea typeface="Lexend Deca"/>
-                <a:cs typeface="Lexend Deca"/>
-                <a:sym typeface="Lexend Deca"/>
-              </a:rPr>
               <a:t> </a:t>
-            </a:r>
-            <a:r>
-              <a:rPr lang="bg-BG" sz="1800" b="1" dirty="0" smtClean="0">
-                <a:solidFill>
-                  <a:schemeClr val="lt1"/>
-                </a:solidFill>
-                <a:latin typeface="Lexend Deca"/>
-                <a:ea typeface="Lexend Deca"/>
-                <a:cs typeface="Lexend Deca"/>
-                <a:sym typeface="Lexend Deca"/>
-              </a:rPr>
-              <a:t>Целта на играта е да успееш да наредиш три еднакви знака хоризонтално, вертикално или диагонално. </a:t>
             </a:r>
           </a:p>
         </p:txBody>
@@ -3396,7 +3336,7 @@
           <p:nvPr/>
         </p:nvPicPr>
         <p:blipFill>
-          <a:blip r:embed="rId2">
+          <a:blip r:embed="rId4">
             <a:extLst>
               <a:ext uri="{28A0092B-C50C-407E-A947-70E740481C1C}">
                 <a14:useLocalDpi xmlns:a14="http://schemas.microsoft.com/office/drawing/2010/main" val="0"/>
@@ -3410,7 +3350,7 @@
         </p:blipFill>
         <p:spPr bwMode="auto">
           <a:xfrm>
-            <a:off x="4790707" y="1143000"/>
+            <a:off x="6016834" y="1309030"/>
             <a:ext cx="2953984" cy="3320797"/>
           </a:xfrm>
           <a:prstGeom prst="rect">
@@ -3437,7 +3377,7 @@
           <p:nvPr/>
         </p:nvPicPr>
         <p:blipFill rotWithShape="1">
-          <a:blip r:embed="rId3">
+          <a:blip r:embed="rId5">
             <a:extLst>
               <a:ext uri="{28A0092B-C50C-407E-A947-70E740481C1C}">
                 <a14:useLocalDpi xmlns:a14="http://schemas.microsoft.com/office/drawing/2010/main" val="0"/>
@@ -3449,8 +3389,82 @@
         </p:blipFill>
         <p:spPr bwMode="auto">
           <a:xfrm>
-            <a:off x="1168235" y="2984974"/>
-            <a:ext cx="1990601" cy="1909344"/>
+            <a:off x="1903122" y="3009782"/>
+            <a:ext cx="1798075" cy="1724677"/>
+          </a:xfrm>
+          <a:prstGeom prst="rect">
+            <a:avLst/>
+          </a:prstGeom>
+          <a:noFill/>
+          <a:extLst>
+            <a:ext uri="{909E8E84-426E-40DD-AFC4-6F175D3DCCD1}">
+              <a14:hiddenFill xmlns:a14="http://schemas.microsoft.com/office/drawing/2010/main">
+                <a:solidFill>
+                  <a:srgbClr val="FFFFFF"/>
+                </a:solidFill>
+              </a14:hiddenFill>
+            </a:ext>
+          </a:extLst>
+        </p:spPr>
+      </p:pic>
+      <p:pic>
+        <p:nvPicPr>
+          <p:cNvPr id="6" name="Recorded Sound">
+            <a:hlinkClick r:id="" action="ppaction://media"/>
+          </p:cNvPr>
+          <p:cNvPicPr>
+            <a:picLocks noChangeAspect="1"/>
+          </p:cNvPicPr>
+          <p:nvPr>
+            <a:audioFile r:link="rId2"/>
+            <p:extLst>
+              <p:ext uri="{DAA4B4D4-6D71-4841-9C94-3DE7FCFB9230}">
+                <p14:media xmlns:p14="http://schemas.microsoft.com/office/powerpoint/2010/main" r:embed="rId1"/>
+              </p:ext>
+            </p:extLst>
+          </p:nvPr>
+        </p:nvPicPr>
+        <p:blipFill>
+          <a:blip r:embed="rId6"/>
+          <a:stretch>
+            <a:fillRect/>
+          </a:stretch>
+        </p:blipFill>
+        <p:spPr>
+          <a:xfrm>
+            <a:off x="628362" y="256021"/>
+            <a:ext cx="487363" cy="487363"/>
+          </a:xfrm>
+          <a:prstGeom prst="rect">
+            <a:avLst/>
+          </a:prstGeom>
+        </p:spPr>
+      </p:pic>
+      <p:pic>
+        <p:nvPicPr>
+          <p:cNvPr id="1026" name="Picture 2" descr="Paper And Pencil Games: Tic Tac Toe: First Move Strategy"/>
+          <p:cNvPicPr>
+            <a:picLocks noChangeAspect="1" noChangeArrowheads="1"/>
+          </p:cNvPicPr>
+          <p:nvPr/>
+        </p:nvPicPr>
+        <p:blipFill>
+          <a:blip r:embed="rId7">
+            <a:extLst>
+              <a:ext uri="{28A0092B-C50C-407E-A947-70E740481C1C}">
+                <a14:useLocalDpi xmlns:a14="http://schemas.microsoft.com/office/drawing/2010/main" val="0"/>
+              </a:ext>
+            </a:extLst>
+          </a:blip>
+          <a:srcRect/>
+          <a:stretch>
+            <a:fillRect/>
+          </a:stretch>
+        </p:blipFill>
+        <p:spPr bwMode="auto">
+          <a:xfrm>
+            <a:off x="746347" y="1309030"/>
+            <a:ext cx="4111626" cy="1534722"/>
           </a:xfrm>
           <a:prstGeom prst="rect">
             <a:avLst/>
@@ -3483,7 +3497,87 @@
   <p:timing>
     <p:tnLst>
       <p:par>
-        <p:cTn id="1" dur="indefinite" restart="never" nodeType="tmRoot"/>
+        <p:cTn id="1" dur="indefinite" restart="never" nodeType="tmRoot">
+          <p:childTnLst>
+            <p:seq concurrent="1" nextAc="seek">
+              <p:cTn id="2" restart="whenNotActive" fill="hold" evtFilter="cancelBubble" nodeType="interactiveSeq">
+                <p:stCondLst>
+                  <p:cond evt="onClick" delay="0">
+                    <p:tgtEl>
+                      <p:spTgt spid="6"/>
+                    </p:tgtEl>
+                  </p:cond>
+                </p:stCondLst>
+                <p:endSync evt="end" delay="0">
+                  <p:rtn val="all"/>
+                </p:endSync>
+                <p:childTnLst>
+                  <p:par>
+                    <p:cTn id="3" fill="hold">
+                      <p:stCondLst>
+                        <p:cond delay="0"/>
+                      </p:stCondLst>
+                      <p:childTnLst>
+                        <p:par>
+                          <p:cTn id="4" fill="hold">
+                            <p:stCondLst>
+                              <p:cond delay="0"/>
+                            </p:stCondLst>
+                            <p:childTnLst>
+                              <p:par>
+                                <p:cTn id="5" presetID="1" presetClass="mediacall" presetSubtype="0" fill="hold" nodeType="clickEffect">
+                                  <p:stCondLst>
+                                    <p:cond delay="0"/>
+                                  </p:stCondLst>
+                                  <p:childTnLst>
+                                    <p:cmd type="call" cmd="playFrom(0.0)">
+                                      <p:cBhvr>
+                                        <p:cTn id="6" dur="12392" fill="hold"/>
+                                        <p:tgtEl>
+                                          <p:spTgt spid="6"/>
+                                        </p:tgtEl>
+                                      </p:cBhvr>
+                                    </p:cmd>
+                                  </p:childTnLst>
+                                </p:cTn>
+                              </p:par>
+                            </p:childTnLst>
+                          </p:cTn>
+                        </p:par>
+                      </p:childTnLst>
+                    </p:cTn>
+                  </p:par>
+                </p:childTnLst>
+              </p:cTn>
+              <p:nextCondLst>
+                <p:cond evt="onClick" delay="0">
+                  <p:tgtEl>
+                    <p:spTgt spid="6"/>
+                  </p:tgtEl>
+                </p:cond>
+              </p:nextCondLst>
+            </p:seq>
+            <p:audio>
+              <p:cMediaNode vol="80000">
+                <p:cTn id="7" fill="hold" display="0">
+                  <p:stCondLst>
+                    <p:cond delay="indefinite"/>
+                  </p:stCondLst>
+                  <p:endCondLst>
+                    <p:cond evt="onStopAudio" delay="0">
+                      <p:tgtEl>
+                        <p:sldTgt/>
+                      </p:tgtEl>
+                    </p:cond>
+                  </p:endCondLst>
+                </p:cTn>
+                <p:tgtEl>
+                  <p:spTgt spid="6"/>
+                </p:tgtEl>
+              </p:cMediaNode>
+            </p:audio>
+          </p:childTnLst>
+        </p:cTn>
       </p:par>
     </p:tnLst>
   </p:timing>
@@ -3545,7 +3639,7 @@
           <p:nvPr/>
         </p:nvPicPr>
         <p:blipFill>
-          <a:blip r:embed="rId2">
+          <a:blip r:embed="rId4">
             <a:extLst>
               <a:ext uri="{28A0092B-C50C-407E-A947-70E740481C1C}">
                 <a14:useLocalDpi xmlns:a14="http://schemas.microsoft.com/office/drawing/2010/main" val="0"/>
@@ -3586,7 +3680,7 @@
           <p:nvPr/>
         </p:nvPicPr>
         <p:blipFill rotWithShape="1">
-          <a:blip r:embed="rId3">
+          <a:blip r:embed="rId5">
             <a:extLst>
               <a:ext uri="{28A0092B-C50C-407E-A947-70E740481C1C}">
                 <a14:useLocalDpi xmlns:a14="http://schemas.microsoft.com/office/drawing/2010/main" val="0"/>
@@ -3711,6 +3805,39 @@
           </a:p>
         </p:txBody>
       </p:sp>
+      <p:pic>
+        <p:nvPicPr>
+          <p:cNvPr id="7" name="Recorded Sound">
+            <a:hlinkClick r:id="" action="ppaction://media"/>
+          </p:cNvPr>
+          <p:cNvPicPr>
+            <a:picLocks noChangeAspect="1"/>
+          </p:cNvPicPr>
+          <p:nvPr>
+            <a:audioFile r:link="rId2"/>
+            <p:extLst>
+              <p:ext uri="{DAA4B4D4-6D71-4841-9C94-3DE7FCFB9230}">
+                <p14:media xmlns:p14="http://schemas.microsoft.com/office/powerpoint/2010/main" r:embed="rId1"/>
+              </p:ext>
+            </p:extLst>
+          </p:nvPr>
+        </p:nvPicPr>
+        <p:blipFill>
+          <a:blip r:embed="rId6"/>
+          <a:stretch>
+            <a:fillRect/>
+          </a:stretch>
+        </p:blipFill>
+        <p:spPr>
+          <a:xfrm>
+            <a:off x="352578" y="124402"/>
+            <a:ext cx="487363" cy="487363"/>
+          </a:xfrm>
+          <a:prstGeom prst="rect">
+            <a:avLst/>
+          </a:prstGeom>
+        </p:spPr>
+      </p:pic>
     </p:spTree>
     <p:extLst>
       <p:ext uri="{BB962C8B-B14F-4D97-AF65-F5344CB8AC3E}">
@@ -3727,7 +3854,87 @@
   <p:timing>
     <p:tnLst>
       <p:par>
-        <p:cTn id="1" dur="indefinite" restart="never" nodeType="tmRoot"/>
+        <p:cTn id="1" dur="indefinite" restart="never" nodeType="tmRoot">
+          <p:childTnLst>
+            <p:seq concurrent="1" nextAc="seek">
+              <p:cTn id="2" restart="whenNotActive" fill="hold" evtFilter="cancelBubble" nodeType="interactiveSeq">
+                <p:stCondLst>
+                  <p:cond evt="onClick" delay="0">
+                    <p:tgtEl>
+                      <p:spTgt spid="7"/>
+                    </p:tgtEl>
+                  </p:cond>
+                </p:stCondLst>
+                <p:endSync evt="end" delay="0">
+                  <p:rtn val="all"/>
+                </p:endSync>
+                <p:childTnLst>
+                  <p:par>
+                    <p:cTn id="3" fill="hold">
+                      <p:stCondLst>
+                        <p:cond delay="0"/>
+                      </p:stCondLst>
+                      <p:childTnLst>
+                        <p:par>
+                          <p:cTn id="4" fill="hold">
+                            <p:stCondLst>
+                              <p:cond delay="0"/>
+                            </p:stCondLst>
+                            <p:childTnLst>
+                              <p:par>
+                                <p:cTn id="5" presetID="1" presetClass="mediacall" presetSubtype="0" fill="hold" nodeType="clickEffect">
+                                  <p:stCondLst>
+                                    <p:cond delay="0"/>
+                                  </p:stCondLst>
+                                  <p:childTnLst>
+                                    <p:cmd type="call" cmd="playFrom(0.0)">
+                                      <p:cBhvr>
+                                        <p:cTn id="6" dur="17640" fill="hold"/>
+                                        <p:tgtEl>
+                                          <p:spTgt spid="7"/>
+                                        </p:tgtEl>
+                                      </p:cBhvr>
+                                    </p:cmd>
+                                  </p:childTnLst>
+                                </p:cTn>
+                              </p:par>
+                            </p:childTnLst>
+                          </p:cTn>
+                        </p:par>
+                      </p:childTnLst>
+                    </p:cTn>
+                  </p:par>
+                </p:childTnLst>
+              </p:cTn>
+              <p:nextCondLst>
+                <p:cond evt="onClick" delay="0">
+                  <p:tgtEl>
+                    <p:spTgt spid="7"/>
+                  </p:tgtEl>
+                </p:cond>
+              </p:nextCondLst>
+            </p:seq>
+            <p:audio>
+              <p:cMediaNode vol="80000">
+                <p:cTn id="7" fill="hold" display="0">
+                  <p:stCondLst>
+                    <p:cond delay="indefinite"/>
+                  </p:stCondLst>
+                  <p:endCondLst>
+                    <p:cond evt="onStopAudio" delay="0">
+                      <p:tgtEl>
+                        <p:sldTgt/>
+                      </p:tgtEl>
+                    </p:cond>
+                  </p:endCondLst>
+                </p:cTn>
+                <p:tgtEl>
+                  <p:spTgt spid="7"/>
+                </p:tgtEl>
+              </p:cMediaNode>
+            </p:audio>
+          </p:childTnLst>
+        </p:cTn>
       </p:par>
     </p:tnLst>
   </p:timing>

--- a/Documentation & Presentation/Presentation.pptx
+++ b/Documentation & Presentation/Presentation.pptx
@@ -2442,11 +2442,11 @@
               <a:buNone/>
             </a:pPr>
             <a:r>
-              <a:rPr lang="en-GB" dirty="0" smtClean="0"/>
+              <a:rPr lang="en-GB" dirty="0"/>
               <a:t>Math Games</a:t>
             </a:r>
             <a:br>
-              <a:rPr lang="en-GB" dirty="0" smtClean="0"/>
+              <a:rPr lang="en-GB" dirty="0"/>
             </a:br>
             <a:endParaRPr dirty="0"/>
           </a:p>
@@ -2459,7 +2459,7 @@
           <p:nvPr/>
         </p:nvPicPr>
         <p:blipFill>
-          <a:blip r:embed="rId3">
+          <a:blip r:embed="rId5">
             <a:alphaModFix/>
           </a:blip>
           <a:stretch>
@@ -2487,7 +2487,7 @@
           <p:nvPr/>
         </p:nvPicPr>
         <p:blipFill>
-          <a:blip r:embed="rId4">
+          <a:blip r:embed="rId6">
             <a:alphaModFix/>
           </a:blip>
           <a:stretch>
@@ -2515,7 +2515,7 @@
           <p:nvPr/>
         </p:nvPicPr>
         <p:blipFill>
-          <a:blip r:embed="rId5">
+          <a:blip r:embed="rId7">
             <a:alphaModFix/>
           </a:blip>
           <a:stretch>
@@ -2543,7 +2543,7 @@
           <p:nvPr/>
         </p:nvPicPr>
         <p:blipFill>
-          <a:blip r:embed="rId6">
+          <a:blip r:embed="rId8">
             <a:alphaModFix/>
           </a:blip>
           <a:stretch>
@@ -2571,7 +2571,7 @@
           <p:nvPr/>
         </p:nvPicPr>
         <p:blipFill>
-          <a:blip r:embed="rId7">
+          <a:blip r:embed="rId9">
             <a:alphaModFix/>
           </a:blip>
           <a:stretch>
@@ -2599,7 +2599,7 @@
           <p:nvPr/>
         </p:nvPicPr>
         <p:blipFill>
-          <a:blip r:embed="rId7">
+          <a:blip r:embed="rId9">
             <a:alphaModFix/>
           </a:blip>
           <a:stretch>
@@ -2644,7 +2644,7 @@
           <a:p>
             <a:pPr algn="ctr"/>
             <a:r>
-              <a:rPr lang="en-GB" sz="2400" b="1" dirty="0" smtClean="0">
+              <a:rPr lang="en-GB" sz="2400" b="1" dirty="0">
                 <a:solidFill>
                   <a:schemeClr val="bg1">
                     <a:lumMod val="95000"/>
@@ -2654,17 +2654,47 @@
               </a:rPr>
               <a:t>Team “The Project”</a:t>
             </a:r>
-            <a:endParaRPr lang="en-GB" sz="2400" b="1" dirty="0">
-              <a:solidFill>
-                <a:schemeClr val="bg1">
-                  <a:lumMod val="95000"/>
-                </a:schemeClr>
-              </a:solidFill>
-              <a:latin typeface="Lexend Deca" panose="020B0604020202020204" charset="0"/>
-            </a:endParaRPr>
           </a:p>
         </p:txBody>
       </p:sp>
+      <p:pic>
+        <p:nvPicPr>
+          <p:cNvPr id="2" name="Recorded Sound">
+            <a:hlinkClick r:id="" action="ppaction://media"/>
+            <a:extLst>
+              <a:ext uri="{FF2B5EF4-FFF2-40B4-BE49-F238E27FC236}">
+                <a16:creationId xmlns:a16="http://schemas.microsoft.com/office/drawing/2014/main" id="{3AE16AD0-3EBA-4105-9687-019CF018E616}"/>
+              </a:ext>
+            </a:extLst>
+          </p:cNvPr>
+          <p:cNvPicPr>
+            <a:picLocks noChangeAspect="1"/>
+          </p:cNvPicPr>
+          <p:nvPr>
+            <a:audioFile r:link="rId2"/>
+            <p:extLst>
+              <p:ext uri="{DAA4B4D4-6D71-4841-9C94-3DE7FCFB9230}">
+                <p14:media xmlns:p14="http://schemas.microsoft.com/office/powerpoint/2010/main" r:embed="rId1"/>
+              </p:ext>
+            </p:extLst>
+          </p:nvPr>
+        </p:nvPicPr>
+        <p:blipFill>
+          <a:blip r:embed="rId10"/>
+          <a:stretch>
+            <a:fillRect/>
+          </a:stretch>
+        </p:blipFill>
+        <p:spPr>
+          <a:xfrm>
+            <a:off x="255588" y="134642"/>
+            <a:ext cx="487363" cy="487363"/>
+          </a:xfrm>
+          <a:prstGeom prst="rect">
+            <a:avLst/>
+          </a:prstGeom>
+        </p:spPr>
+      </p:pic>
     </p:spTree>
   </p:cSld>
   <p:clrMapOvr>
@@ -2676,7 +2706,84 @@
   <p:timing>
     <p:tnLst>
       <p:par>
-        <p:cTn id="1" dur="indefinite" restart="never" nodeType="tmRoot"/>
+        <p:cTn id="1" dur="indefinite" restart="never" nodeType="tmRoot">
+          <p:childTnLst>
+            <p:seq concurrent="1" nextAc="seek">
+              <p:cTn id="2" dur="indefinite" nodeType="mainSeq">
+                <p:childTnLst>
+                  <p:par>
+                    <p:cTn id="3" fill="hold">
+                      <p:stCondLst>
+                        <p:cond delay="indefinite"/>
+                      </p:stCondLst>
+                      <p:childTnLst>
+                        <p:par>
+                          <p:cTn id="4" fill="hold">
+                            <p:stCondLst>
+                              <p:cond delay="0"/>
+                            </p:stCondLst>
+                            <p:childTnLst>
+                              <p:par>
+                                <p:cTn id="5" presetID="1" presetClass="mediacall" presetSubtype="0" fill="hold" nodeType="clickEffect">
+                                  <p:stCondLst>
+                                    <p:cond delay="0"/>
+                                  </p:stCondLst>
+                                  <p:childTnLst>
+                                    <p:cmd type="call" cmd="playFrom(0.0)">
+                                      <p:cBhvr>
+                                        <p:cTn id="6" dur="10110" fill="hold"/>
+                                        <p:tgtEl>
+                                          <p:spTgt spid="2"/>
+                                        </p:tgtEl>
+                                      </p:cBhvr>
+                                    </p:cmd>
+                                  </p:childTnLst>
+                                </p:cTn>
+                              </p:par>
+                            </p:childTnLst>
+                          </p:cTn>
+                        </p:par>
+                      </p:childTnLst>
+                    </p:cTn>
+                  </p:par>
+                </p:childTnLst>
+              </p:cTn>
+              <p:prevCondLst>
+                <p:cond evt="onPrev" delay="0">
+                  <p:tgtEl>
+                    <p:sldTgt/>
+                  </p:tgtEl>
+                </p:cond>
+              </p:prevCondLst>
+              <p:nextCondLst>
+                <p:cond evt="onNext" delay="0">
+                  <p:tgtEl>
+                    <p:sldTgt/>
+                  </p:tgtEl>
+                </p:cond>
+              </p:nextCondLst>
+            </p:seq>
+            <p:audio>
+              <p:cMediaNode vol="80000">
+                <p:cTn id="7" fill="hold" display="0">
+                  <p:stCondLst>
+                    <p:cond delay="indefinite"/>
+                  </p:stCondLst>
+                  <p:endCondLst>
+                    <p:cond evt="onStopAudio" delay="0">
+                      <p:tgtEl>
+                        <p:sldTgt/>
+                      </p:tgtEl>
+                    </p:cond>
+                  </p:endCondLst>
+                </p:cTn>
+                <p:tgtEl>
+                  <p:spTgt spid="2"/>
+                </p:tgtEl>
+              </p:cMediaNode>
+            </p:audio>
+          </p:childTnLst>
+        </p:cTn>
       </p:par>
     </p:tnLst>
   </p:timing>
@@ -2722,7 +2829,7 @@
           <a:p>
             <a:pPr algn="ctr"/>
             <a:r>
-              <a:rPr lang="bg-BG" dirty="0" smtClean="0"/>
+              <a:rPr lang="bg-BG" dirty="0"/>
               <a:t>Нашият екип</a:t>
             </a:r>
             <a:endParaRPr lang="en-GB" dirty="0"/>
@@ -2779,19 +2886,7 @@
                 <a:cs typeface="Lexend Deca"/>
                 <a:sym typeface="Lexend Deca"/>
               </a:rPr>
-              <a:t>Scrum </a:t>
-            </a:r>
-            <a:r>
-              <a:rPr lang="en-GB" sz="2000" b="1" dirty="0" smtClean="0">
-                <a:solidFill>
-                  <a:schemeClr val="lt1"/>
-                </a:solidFill>
-                <a:latin typeface="Lexend Deca"/>
-                <a:ea typeface="Lexend Deca"/>
-                <a:cs typeface="Lexend Deca"/>
-                <a:sym typeface="Lexend Deca"/>
-              </a:rPr>
-              <a:t>Trainer</a:t>
+              <a:t>Scrum Trainer</a:t>
             </a:r>
           </a:p>
           <a:p>
@@ -2802,7 +2897,7 @@
               <a:buSzPts val="5000"/>
             </a:pPr>
             <a:r>
-              <a:rPr lang="bg-BG" b="1" i="1" dirty="0" smtClean="0">
+              <a:rPr lang="bg-BG" b="1" i="1" dirty="0">
                 <a:solidFill>
                   <a:schemeClr val="lt1"/>
                 </a:solidFill>
@@ -2813,7 +2908,7 @@
               <a:t>Отговаря за документацията</a:t>
             </a:r>
             <a:r>
-              <a:rPr lang="en-GB" b="1" i="1" dirty="0" smtClean="0">
+              <a:rPr lang="en-GB" b="1" i="1" dirty="0">
                 <a:solidFill>
                   <a:schemeClr val="lt1"/>
                 </a:solidFill>
@@ -2824,7 +2919,7 @@
               <a:t> </a:t>
             </a:r>
             <a:r>
-              <a:rPr lang="bg-BG" b="1" i="1" dirty="0" smtClean="0">
+              <a:rPr lang="bg-BG" b="1" i="1" dirty="0">
                 <a:solidFill>
                   <a:schemeClr val="lt1"/>
                 </a:solidFill>
@@ -2832,29 +2927,7 @@
                 <a:ea typeface="Lexend Deca"/>
                 <a:cs typeface="Lexend Deca"/>
               </a:rPr>
-              <a:t>и организира </a:t>
-            </a:r>
-            <a:r>
-              <a:rPr lang="bg-BG" b="1" i="1" dirty="0">
-                <a:solidFill>
-                  <a:schemeClr val="lt1"/>
-                </a:solidFill>
-                <a:latin typeface="Lexend Deca"/>
-                <a:ea typeface="Lexend Deca"/>
-                <a:cs typeface="Lexend Deca"/>
-              </a:rPr>
-              <a:t>общата работа на отбора</a:t>
-            </a:r>
-            <a:r>
-              <a:rPr lang="bg-BG" b="1" i="1" dirty="0" smtClean="0">
-                <a:solidFill>
-                  <a:schemeClr val="lt1"/>
-                </a:solidFill>
-                <a:latin typeface="Lexend Deca"/>
-                <a:ea typeface="Lexend Deca"/>
-                <a:cs typeface="Lexend Deca"/>
-              </a:rPr>
-              <a:t>.</a:t>
+              <a:t>и организира общата работа на отбора.</a:t>
             </a:r>
             <a:endParaRPr lang="en-GB" b="1" i="1" dirty="0">
               <a:solidFill>
@@ -2913,7 +2986,7 @@
               <a:buSzPts val="5000"/>
             </a:pPr>
             <a:r>
-              <a:rPr lang="bg-BG" sz="1800" b="1" dirty="0" smtClean="0">
+              <a:rPr lang="bg-BG" sz="1800" b="1" dirty="0">
                 <a:solidFill>
                   <a:schemeClr val="lt1"/>
                 </a:solidFill>
@@ -2925,7 +2998,7 @@
               <a:t>Ванина Тенева- </a:t>
             </a:r>
             <a:r>
-              <a:rPr lang="en-GB" sz="1800" b="1" dirty="0" smtClean="0">
+              <a:rPr lang="en-GB" sz="1800" b="1" dirty="0">
                 <a:solidFill>
                   <a:schemeClr val="lt1"/>
                 </a:solidFill>
@@ -2936,15 +3009,6 @@
               </a:rPr>
               <a:t>Front end developer</a:t>
             </a:r>
-            <a:endParaRPr lang="en-GB" sz="1800" b="1" dirty="0">
-              <a:solidFill>
-                <a:schemeClr val="lt1"/>
-              </a:solidFill>
-              <a:latin typeface="Lexend Deca"/>
-              <a:ea typeface="Lexend Deca"/>
-              <a:cs typeface="Lexend Deca"/>
-              <a:sym typeface="Lexend Deca"/>
-            </a:endParaRPr>
           </a:p>
           <a:p>
             <a:pPr lvl="0">
@@ -2962,21 +3026,10 @@
                 <a:ea typeface="Lexend Deca"/>
                 <a:cs typeface="Lexend Deca"/>
               </a:rPr>
-              <a:t>Отговаря </a:t>
+              <a:t>Отговаря за</a:t>
             </a:r>
             <a:r>
-              <a:rPr lang="bg-BG" b="1" i="1" dirty="0" smtClean="0">
-                <a:solidFill>
-                  <a:schemeClr val="lt1"/>
-                </a:solidFill>
-                <a:latin typeface="Lexend Deca"/>
-                <a:ea typeface="Lexend Deca"/>
-                <a:cs typeface="Lexend Deca"/>
-              </a:rPr>
-              <a:t>за</a:t>
-            </a:r>
-            <a:r>
-              <a:rPr lang="en-GB" b="1" i="1" dirty="0" smtClean="0">
+              <a:rPr lang="en-GB" b="1" i="1" dirty="0">
                 <a:solidFill>
                   <a:schemeClr val="lt1"/>
                 </a:solidFill>
@@ -2987,7 +3040,7 @@
               <a:t> </a:t>
             </a:r>
             <a:r>
-              <a:rPr lang="bg-BG" b="1" i="1" dirty="0" smtClean="0">
+              <a:rPr lang="bg-BG" b="1" i="1" dirty="0">
                 <a:solidFill>
                   <a:schemeClr val="lt1"/>
                 </a:solidFill>
@@ -3000,7 +3053,7 @@
             <a:endParaRPr lang="en-GB" b="1" i="1" dirty="0"/>
           </a:p>
           <a:p>
-            <a:endParaRPr lang="en-GB" dirty="0" smtClean="0"/>
+            <a:endParaRPr lang="en-GB" dirty="0"/>
           </a:p>
           <a:p>
             <a:endParaRPr lang="en-GB" dirty="0"/>
@@ -3039,7 +3092,7 @@
               <a:buSzPts val="5000"/>
             </a:pPr>
             <a:r>
-              <a:rPr lang="bg-BG" sz="1800" b="1" dirty="0" smtClean="0">
+              <a:rPr lang="bg-BG" sz="1800" b="1" dirty="0">
                 <a:solidFill>
                   <a:schemeClr val="lt1"/>
                 </a:solidFill>
@@ -3051,7 +3104,7 @@
               <a:t>Петър Чапкънов- </a:t>
             </a:r>
             <a:r>
-              <a:rPr lang="en-GB" sz="1800" b="1" dirty="0" smtClean="0">
+              <a:rPr lang="en-GB" sz="1800" b="1" dirty="0">
                 <a:solidFill>
                   <a:schemeClr val="lt1"/>
                 </a:solidFill>
@@ -3062,15 +3115,6 @@
               </a:rPr>
               <a:t>Code Checker</a:t>
             </a:r>
-            <a:endParaRPr lang="en-GB" sz="1800" b="1" dirty="0">
-              <a:solidFill>
-                <a:schemeClr val="lt1"/>
-              </a:solidFill>
-              <a:latin typeface="Lexend Deca"/>
-              <a:ea typeface="Lexend Deca"/>
-              <a:cs typeface="Lexend Deca"/>
-              <a:sym typeface="Lexend Deca"/>
-            </a:endParaRPr>
           </a:p>
           <a:p>
             <a:pPr lvl="0">
@@ -3133,7 +3177,7 @@
               <a:buSzPts val="5000"/>
             </a:pPr>
             <a:r>
-              <a:rPr lang="bg-BG" sz="1800" b="1" dirty="0" smtClean="0">
+              <a:rPr lang="bg-BG" sz="1800" b="1" dirty="0">
                 <a:solidFill>
                   <a:schemeClr val="lt1"/>
                 </a:solidFill>
@@ -3145,7 +3189,7 @@
               <a:t>Йоана Агафонова- </a:t>
             </a:r>
             <a:r>
-              <a:rPr lang="en-GB" sz="1800" b="1" dirty="0" smtClean="0">
+              <a:rPr lang="en-GB" sz="1800" b="1" dirty="0">
                 <a:solidFill>
                   <a:schemeClr val="lt1"/>
                 </a:solidFill>
@@ -3156,15 +3200,6 @@
               </a:rPr>
               <a:t>Back end developer</a:t>
             </a:r>
-            <a:endParaRPr lang="en-GB" sz="1800" b="1" dirty="0">
-              <a:solidFill>
-                <a:schemeClr val="lt1"/>
-              </a:solidFill>
-              <a:latin typeface="Lexend Deca"/>
-              <a:ea typeface="Lexend Deca"/>
-              <a:cs typeface="Lexend Deca"/>
-              <a:sym typeface="Lexend Deca"/>
-            </a:endParaRPr>
           </a:p>
           <a:p>
             <a:pPr lvl="0">
@@ -3211,6 +3246,44 @@
           </a:p>
         </p:txBody>
       </p:sp>
+      <p:pic>
+        <p:nvPicPr>
+          <p:cNvPr id="4" name="Recorded Sound">
+            <a:hlinkClick r:id="" action="ppaction://media"/>
+            <a:extLst>
+              <a:ext uri="{FF2B5EF4-FFF2-40B4-BE49-F238E27FC236}">
+                <a16:creationId xmlns:a16="http://schemas.microsoft.com/office/drawing/2014/main" id="{693E2868-C77E-40BA-928C-D3931E11CFED}"/>
+              </a:ext>
+            </a:extLst>
+          </p:cNvPr>
+          <p:cNvPicPr>
+            <a:picLocks noChangeAspect="1"/>
+          </p:cNvPicPr>
+          <p:nvPr>
+            <a:audioFile r:link="rId2"/>
+            <p:extLst>
+              <p:ext uri="{DAA4B4D4-6D71-4841-9C94-3DE7FCFB9230}">
+                <p14:media xmlns:p14="http://schemas.microsoft.com/office/powerpoint/2010/main" r:embed="rId1"/>
+              </p:ext>
+            </p:extLst>
+          </p:nvPr>
+        </p:nvPicPr>
+        <p:blipFill>
+          <a:blip r:embed="rId4"/>
+          <a:stretch>
+            <a:fillRect/>
+          </a:stretch>
+        </p:blipFill>
+        <p:spPr>
+          <a:xfrm>
+            <a:off x="263235" y="200534"/>
+            <a:ext cx="487363" cy="487363"/>
+          </a:xfrm>
+          <a:prstGeom prst="rect">
+            <a:avLst/>
+          </a:prstGeom>
+        </p:spPr>
+      </p:pic>
     </p:spTree>
     <p:extLst>
       <p:ext uri="{BB962C8B-B14F-4D97-AF65-F5344CB8AC3E}">
@@ -3227,7 +3300,84 @@
   <p:timing>
     <p:tnLst>
       <p:par>
-        <p:cTn id="1" dur="indefinite" restart="never" nodeType="tmRoot"/>
+        <p:cTn id="1" dur="indefinite" restart="never" nodeType="tmRoot">
+          <p:childTnLst>
+            <p:seq concurrent="1" nextAc="seek">
+              <p:cTn id="2" dur="indefinite" nodeType="mainSeq">
+                <p:childTnLst>
+                  <p:par>
+                    <p:cTn id="3" fill="hold">
+                      <p:stCondLst>
+                        <p:cond delay="indefinite"/>
+                      </p:stCondLst>
+                      <p:childTnLst>
+                        <p:par>
+                          <p:cTn id="4" fill="hold">
+                            <p:stCondLst>
+                              <p:cond delay="0"/>
+                            </p:stCondLst>
+                            <p:childTnLst>
+                              <p:par>
+                                <p:cTn id="5" presetID="1" presetClass="mediacall" presetSubtype="0" fill="hold" nodeType="clickEffect">
+                                  <p:stCondLst>
+                                    <p:cond delay="0"/>
+                                  </p:stCondLst>
+                                  <p:childTnLst>
+                                    <p:cmd type="call" cmd="playFrom(0.0)">
+                                      <p:cBhvr>
+                                        <p:cTn id="6" dur="36581" fill="hold"/>
+                                        <p:tgtEl>
+                                          <p:spTgt spid="4"/>
+                                        </p:tgtEl>
+                                      </p:cBhvr>
+                                    </p:cmd>
+                                  </p:childTnLst>
+                                </p:cTn>
+                              </p:par>
+                            </p:childTnLst>
+                          </p:cTn>
+                        </p:par>
+                      </p:childTnLst>
+                    </p:cTn>
+                  </p:par>
+                </p:childTnLst>
+              </p:cTn>
+              <p:prevCondLst>
+                <p:cond evt="onPrev" delay="0">
+                  <p:tgtEl>
+                    <p:sldTgt/>
+                  </p:tgtEl>
+                </p:cond>
+              </p:prevCondLst>
+              <p:nextCondLst>
+                <p:cond evt="onNext" delay="0">
+                  <p:tgtEl>
+                    <p:sldTgt/>
+                  </p:tgtEl>
+                </p:cond>
+              </p:nextCondLst>
+            </p:seq>
+            <p:audio>
+              <p:cMediaNode vol="80000">
+                <p:cTn id="7" fill="hold" display="0">
+                  <p:stCondLst>
+                    <p:cond delay="indefinite"/>
+                  </p:stCondLst>
+                  <p:endCondLst>
+                    <p:cond evt="onStopAudio" delay="0">
+                      <p:tgtEl>
+                        <p:sldTgt/>
+                      </p:tgtEl>
+                    </p:cond>
+                  </p:endCondLst>
+                </p:cTn>
+                <p:tgtEl>
+                  <p:spTgt spid="4"/>
+                </p:tgtEl>
+              </p:cMediaNode>
+            </p:audio>
+          </p:childTnLst>
+        </p:cTn>
       </p:par>
     </p:tnLst>
   </p:timing>
@@ -3273,12 +3423,8 @@
           <a:p>
             <a:pPr algn="ctr"/>
             <a:r>
-              <a:rPr lang="bg-BG" dirty="0" smtClean="0"/>
-              <a:t>Нашата идея</a:t>
-            </a:r>
-            <a:r>
               <a:rPr lang="bg-BG" dirty="0"/>
-              <a:t> </a:t>
+              <a:t>Нашата идея </a:t>
             </a:r>
             <a:endParaRPr lang="en-GB" dirty="0"/>
           </a:p>
@@ -3313,7 +3459,7 @@
               <a:buSzPts val="5000"/>
             </a:pPr>
             <a:r>
-              <a:rPr lang="bg-BG" sz="1800" b="1" dirty="0" smtClean="0">
+              <a:rPr lang="bg-BG" sz="1800" b="1" dirty="0">
                 <a:solidFill>
                   <a:schemeClr val="lt1"/>
                 </a:solidFill>
@@ -3623,7 +3769,7 @@
           <a:p>
             <a:pPr algn="ctr"/>
             <a:r>
-              <a:rPr lang="bg-BG" dirty="0" smtClean="0"/>
+              <a:rPr lang="bg-BG" dirty="0"/>
               <a:t>Етапи на работа</a:t>
             </a:r>
             <a:endParaRPr lang="en-GB" dirty="0"/>
@@ -3733,7 +3879,7 @@
           <a:lstStyle/>
           <a:p>
             <a:r>
-              <a:rPr lang="bg-BG" sz="2400" b="1" dirty="0" smtClean="0">
+              <a:rPr lang="bg-BG" sz="2400" b="1" dirty="0">
                 <a:solidFill>
                   <a:schemeClr val="bg1"/>
                 </a:solidFill>
@@ -3745,7 +3891,7 @@
           </a:p>
           <a:p>
             <a:r>
-              <a:rPr lang="bg-BG" sz="2400" b="1" dirty="0" smtClean="0">
+              <a:rPr lang="bg-BG" sz="2400" b="1" dirty="0">
                 <a:solidFill>
                   <a:schemeClr val="bg1"/>
                 </a:solidFill>
@@ -3755,7 +3901,7 @@
               <a:t>2.Направа на график на работа</a:t>
             </a:r>
             <a:r>
-              <a:rPr lang="en-GB" sz="2400" b="1" dirty="0" smtClean="0">
+              <a:rPr lang="en-GB" sz="2400" b="1" dirty="0">
                 <a:solidFill>
                   <a:schemeClr val="bg1"/>
                 </a:solidFill>
@@ -3764,7 +3910,7 @@
               </a:rPr>
               <a:t>.</a:t>
             </a:r>
-            <a:endParaRPr lang="bg-BG" sz="2400" b="1" dirty="0" smtClean="0">
+            <a:endParaRPr lang="bg-BG" sz="2400" b="1" dirty="0">
               <a:solidFill>
                 <a:schemeClr val="bg1"/>
               </a:solidFill>
@@ -3774,7 +3920,7 @@
           </a:p>
           <a:p>
             <a:r>
-              <a:rPr lang="bg-BG" sz="2400" b="1" dirty="0" smtClean="0">
+              <a:rPr lang="bg-BG" sz="2400" b="1" dirty="0">
                 <a:solidFill>
                   <a:schemeClr val="bg1"/>
                 </a:solidFill>
@@ -3786,7 +3932,7 @@
           </a:p>
           <a:p>
             <a:r>
-              <a:rPr lang="bg-BG" sz="2400" b="1" dirty="0" smtClean="0">
+              <a:rPr lang="bg-BG" sz="2400" b="1" dirty="0">
                 <a:solidFill>
                   <a:schemeClr val="bg1"/>
                 </a:solidFill>
@@ -3980,7 +4126,7 @@
           <a:p>
             <a:pPr algn="ctr"/>
             <a:r>
-              <a:rPr lang="bg-BG" dirty="0" smtClean="0"/>
+              <a:rPr lang="bg-BG" dirty="0"/>
               <a:t>Използвани програми</a:t>
             </a:r>
             <a:endParaRPr lang="en-GB" dirty="0"/>
@@ -4070,7 +4216,6 @@
           <a:effectLst>
             <a:reflection blurRad="12700" stA="38000" endPos="28000" dist="5000" dir="5400000" sy="-100000" algn="bl" rotWithShape="0"/>
           </a:effectLst>
-          <a:extLst/>
         </p:spPr>
       </p:pic>
       <p:pic>
@@ -4154,7 +4299,6 @@
           <a:effectLst>
             <a:reflection blurRad="12700" stA="38000" endPos="28000" dist="5000" dir="5400000" sy="-100000" algn="bl" rotWithShape="0"/>
           </a:effectLst>
-          <a:extLst/>
         </p:spPr>
       </p:pic>
       <p:pic>
@@ -4293,13 +4437,6 @@
   <p:transition spd="slow">
     <p:cover/>
   </p:transition>
-  <p:timing>
-    <p:tnLst>
-      <p:par>
-        <p:cTn id="1" dur="indefinite" restart="never" nodeType="tmRoot"/>
-      </p:par>
-    </p:tnLst>
-  </p:timing>
 </p:sld>
 </file>
 
@@ -4342,7 +4479,7 @@
           <a:p>
             <a:pPr algn="ctr"/>
             <a:r>
-              <a:rPr lang="bg-BG" dirty="0" smtClean="0"/>
+              <a:rPr lang="bg-BG" dirty="0"/>
               <a:t>Диаграма на играта</a:t>
             </a:r>
             <a:endParaRPr lang="en-GB" dirty="0"/>
@@ -4401,13 +4538,6 @@
   <p:transition spd="slow">
     <p:cover/>
   </p:transition>
-  <p:timing>
-    <p:tnLst>
-      <p:par>
-        <p:cTn id="1" dur="indefinite" restart="never" nodeType="tmRoot"/>
-      </p:par>
-    </p:tnLst>
-  </p:timing>
 </p:sld>
 </file>
 
@@ -4450,7 +4580,7 @@
           <a:p>
             <a:pPr algn="ctr"/>
             <a:r>
-              <a:rPr lang="bg-BG" dirty="0" smtClean="0"/>
+              <a:rPr lang="bg-BG" dirty="0"/>
               <a:t>Пример</a:t>
             </a:r>
             <a:endParaRPr lang="en-GB" dirty="0"/>
@@ -4467,13 +4597,6 @@
   <p:clrMapOvr>
     <a:masterClrMapping/>
   </p:clrMapOvr>
-  <p:timing>
-    <p:tnLst>
-      <p:par>
-        <p:cTn id="1" dur="indefinite" restart="never" nodeType="tmRoot"/>
-      </p:par>
-    </p:tnLst>
-  </p:timing>
 </p:sld>
 </file>
 
@@ -4516,7 +4639,7 @@
           <a:p>
             <a:pPr algn="ctr"/>
             <a:r>
-              <a:rPr lang="bg-BG" sz="6600" dirty="0" smtClean="0"/>
+              <a:rPr lang="bg-BG" sz="6600" dirty="0"/>
               <a:t>Благодаря за вниманието!</a:t>
             </a:r>
             <a:endParaRPr lang="en-GB" sz="6600" dirty="0"/>
@@ -4536,13 +4659,6 @@
   <p:transition spd="slow">
     <p:cover/>
   </p:transition>
-  <p:timing>
-    <p:tnLst>
-      <p:par>
-        <p:cTn id="1" dur="indefinite" restart="never" nodeType="tmRoot"/>
-      </p:par>
-    </p:tnLst>
-  </p:timing>
 </p:sld>
 </file>
 

--- a/Documentation & Presentation/Presentation.pptx
+++ b/Documentation & Presentation/Presentation.pptx
@@ -807,6 +807,72 @@
 </p:notes>
 </file>
 
+<file path=ppt/notesSlides/notesSlide2.xml><?xml version="1.0" encoding="utf-8"?>
+<p:notes xmlns:a="http://schemas.openxmlformats.org/drawingml/2006/main" xmlns:r="http://schemas.openxmlformats.org/officeDocument/2006/relationships" xmlns:p="http://schemas.openxmlformats.org/presentationml/2006/main">
+  <p:cSld>
+    <p:spTree>
+      <p:nvGrpSpPr>
+        <p:cNvPr id="1" name=""/>
+        <p:cNvGrpSpPr/>
+        <p:nvPr/>
+      </p:nvGrpSpPr>
+      <p:grpSpPr>
+        <a:xfrm>
+          <a:off x="0" y="0"/>
+          <a:ext cx="0" cy="0"/>
+          <a:chOff x="0" y="0"/>
+          <a:chExt cx="0" cy="0"/>
+        </a:xfrm>
+      </p:grpSpPr>
+      <p:sp>
+        <p:nvSpPr>
+          <p:cNvPr id="2" name="Slide Image Placeholder 1"/>
+          <p:cNvSpPr>
+            <a:spLocks noGrp="1" noRot="1" noChangeAspect="1"/>
+          </p:cNvSpPr>
+          <p:nvPr>
+            <p:ph type="sldImg"/>
+          </p:nvPr>
+        </p:nvSpPr>
+        <p:spPr>
+          <a:xfrm>
+            <a:off x="381000" y="685800"/>
+            <a:ext cx="6096000" cy="3429000"/>
+          </a:xfrm>
+        </p:spPr>
+      </p:sp>
+      <p:sp>
+        <p:nvSpPr>
+          <p:cNvPr id="3" name="Notes Placeholder 2"/>
+          <p:cNvSpPr>
+            <a:spLocks noGrp="1"/>
+          </p:cNvSpPr>
+          <p:nvPr>
+            <p:ph type="body" idx="1"/>
+          </p:nvPr>
+        </p:nvSpPr>
+        <p:spPr/>
+        <p:txBody>
+          <a:bodyPr/>
+          <a:lstStyle/>
+          <a:p>
+            <a:endParaRPr lang="en-US" dirty="0"/>
+          </a:p>
+        </p:txBody>
+      </p:sp>
+    </p:spTree>
+    <p:extLst>
+      <p:ext uri="{BB962C8B-B14F-4D97-AF65-F5344CB8AC3E}">
+        <p14:creationId xmlns:p14="http://schemas.microsoft.com/office/powerpoint/2010/main" val="3849381868"/>
+      </p:ext>
+    </p:extLst>
+  </p:cSld>
+  <p:clrMapOvr>
+    <a:masterClrMapping/>
+  </p:clrMapOvr>
+</p:notes>
+</file>
+
 <file path=ppt/slideLayouts/slideLayout1.xml><?xml version="1.0" encoding="utf-8"?>
 <p:sldLayout xmlns:a="http://schemas.openxmlformats.org/drawingml/2006/main" xmlns:r="http://schemas.openxmlformats.org/officeDocument/2006/relationships" xmlns:p="http://schemas.openxmlformats.org/presentationml/2006/main" matchingName="Title" type="title">
   <p:cSld name="TITLE">
@@ -2715,6 +2781,9 @@
                     <p:cTn id="3" fill="hold">
                       <p:stCondLst>
                         <p:cond delay="indefinite"/>
+                        <p:cond evt="onBegin" delay="0">
+                          <p:tn val="2"/>
+                        </p:cond>
                       </p:stCondLst>
                       <p:childTnLst>
                         <p:par>
@@ -2724,14 +2793,14 @@
                             </p:stCondLst>
                             <p:childTnLst>
                               <p:par>
-                                <p:cTn id="5" presetID="1" presetClass="mediacall" presetSubtype="0" fill="hold" nodeType="clickEffect">
+                                <p:cTn id="5" presetID="1" presetClass="mediacall" presetSubtype="0" fill="hold" nodeType="afterEffect">
                                   <p:stCondLst>
                                     <p:cond delay="0"/>
                                   </p:stCondLst>
                                   <p:childTnLst>
                                     <p:cmd type="call" cmd="playFrom(0.0)">
                                       <p:cBhvr>
-                                        <p:cTn id="6" dur="10110" fill="hold"/>
+                                        <p:cTn id="6" dur="1" fill="hold"/>
                                         <p:tgtEl>
                                           <p:spTgt spid="2"/>
                                         </p:tgtEl>
@@ -2764,7 +2833,7 @@
               </p:nextCondLst>
             </p:seq>
             <p:audio>
-              <p:cMediaNode vol="80000">
+              <p:cMediaNode vol="80000" numSld="999" showWhenStopped="0">
                 <p:cTn id="7" fill="hold" display="0">
                   <p:stCondLst>
                     <p:cond delay="indefinite"/>
@@ -3309,6 +3378,9 @@
                     <p:cTn id="3" fill="hold">
                       <p:stCondLst>
                         <p:cond delay="indefinite"/>
+                        <p:cond evt="onBegin" delay="0">
+                          <p:tn val="2"/>
+                        </p:cond>
                       </p:stCondLst>
                       <p:childTnLst>
                         <p:par>
@@ -3318,14 +3390,14 @@
                             </p:stCondLst>
                             <p:childTnLst>
                               <p:par>
-                                <p:cTn id="5" presetID="1" presetClass="mediacall" presetSubtype="0" fill="hold" nodeType="clickEffect">
+                                <p:cTn id="5" presetID="1" presetClass="mediacall" presetSubtype="0" fill="hold" nodeType="afterEffect">
                                   <p:stCondLst>
                                     <p:cond delay="0"/>
                                   </p:stCondLst>
                                   <p:childTnLst>
                                     <p:cmd type="call" cmd="playFrom(0.0)">
                                       <p:cBhvr>
-                                        <p:cTn id="6" dur="36581" fill="hold"/>
+                                        <p:cTn id="6" dur="1" fill="hold"/>
                                         <p:tgtEl>
                                           <p:spTgt spid="4"/>
                                         </p:tgtEl>
@@ -3358,7 +3430,7 @@
               </p:nextCondLst>
             </p:seq>
             <p:audio>
-              <p:cMediaNode vol="80000">
+              <p:cMediaNode vol="80000" numSld="999" showWhenStopped="0">
                 <p:cTn id="7" fill="hold" display="0">
                   <p:stCondLst>
                     <p:cond delay="indefinite"/>
@@ -3646,22 +3718,15 @@
         <p:cTn id="1" dur="indefinite" restart="never" nodeType="tmRoot">
           <p:childTnLst>
             <p:seq concurrent="1" nextAc="seek">
-              <p:cTn id="2" restart="whenNotActive" fill="hold" evtFilter="cancelBubble" nodeType="interactiveSeq">
-                <p:stCondLst>
-                  <p:cond evt="onClick" delay="0">
-                    <p:tgtEl>
-                      <p:spTgt spid="6"/>
-                    </p:tgtEl>
-                  </p:cond>
-                </p:stCondLst>
-                <p:endSync evt="end" delay="0">
-                  <p:rtn val="all"/>
-                </p:endSync>
+              <p:cTn id="2" dur="indefinite" nodeType="mainSeq">
                 <p:childTnLst>
                   <p:par>
                     <p:cTn id="3" fill="hold">
                       <p:stCondLst>
-                        <p:cond delay="0"/>
+                        <p:cond delay="indefinite"/>
+                        <p:cond evt="onBegin" delay="0">
+                          <p:tn val="2"/>
+                        </p:cond>
                       </p:stCondLst>
                       <p:childTnLst>
                         <p:par>
@@ -3671,14 +3736,14 @@
                             </p:stCondLst>
                             <p:childTnLst>
                               <p:par>
-                                <p:cTn id="5" presetID="1" presetClass="mediacall" presetSubtype="0" fill="hold" nodeType="clickEffect">
+                                <p:cTn id="5" presetID="1" presetClass="mediacall" presetSubtype="0" fill="hold" nodeType="afterEffect">
                                   <p:stCondLst>
                                     <p:cond delay="0"/>
                                   </p:stCondLst>
                                   <p:childTnLst>
                                     <p:cmd type="call" cmd="playFrom(0.0)">
                                       <p:cBhvr>
-                                        <p:cTn id="6" dur="12392" fill="hold"/>
+                                        <p:cTn id="6" dur="1" fill="hold"/>
                                         <p:tgtEl>
                                           <p:spTgt spid="6"/>
                                         </p:tgtEl>
@@ -3695,16 +3760,23 @@
                   </p:par>
                 </p:childTnLst>
               </p:cTn>
+              <p:prevCondLst>
+                <p:cond evt="onPrev" delay="0">
+                  <p:tgtEl>
+                    <p:sldTgt/>
+                  </p:tgtEl>
+                </p:cond>
+              </p:prevCondLst>
               <p:nextCondLst>
-                <p:cond evt="onClick" delay="0">
+                <p:cond evt="onNext" delay="0">
                   <p:tgtEl>
-                    <p:spTgt spid="6"/>
+                    <p:sldTgt/>
                   </p:tgtEl>
                 </p:cond>
               </p:nextCondLst>
             </p:seq>
             <p:audio>
-              <p:cMediaNode vol="80000">
+              <p:cMediaNode vol="80000" numSld="999" showWhenStopped="0">
                 <p:cTn id="7" fill="hold" display="0">
                   <p:stCondLst>
                     <p:cond delay="indefinite"/>
@@ -4003,22 +4075,15 @@
         <p:cTn id="1" dur="indefinite" restart="never" nodeType="tmRoot">
           <p:childTnLst>
             <p:seq concurrent="1" nextAc="seek">
-              <p:cTn id="2" restart="whenNotActive" fill="hold" evtFilter="cancelBubble" nodeType="interactiveSeq">
-                <p:stCondLst>
-                  <p:cond evt="onClick" delay="0">
-                    <p:tgtEl>
-                      <p:spTgt spid="7"/>
-                    </p:tgtEl>
-                  </p:cond>
-                </p:stCondLst>
-                <p:endSync evt="end" delay="0">
-                  <p:rtn val="all"/>
-                </p:endSync>
+              <p:cTn id="2" dur="indefinite" nodeType="mainSeq">
                 <p:childTnLst>
                   <p:par>
                     <p:cTn id="3" fill="hold">
                       <p:stCondLst>
-                        <p:cond delay="0"/>
+                        <p:cond delay="indefinite"/>
+                        <p:cond evt="onBegin" delay="0">
+                          <p:tn val="2"/>
+                        </p:cond>
                       </p:stCondLst>
                       <p:childTnLst>
                         <p:par>
@@ -4028,14 +4093,14 @@
                             </p:stCondLst>
                             <p:childTnLst>
                               <p:par>
-                                <p:cTn id="5" presetID="1" presetClass="mediacall" presetSubtype="0" fill="hold" nodeType="clickEffect">
+                                <p:cTn id="5" presetID="1" presetClass="mediacall" presetSubtype="0" fill="hold" nodeType="afterEffect">
                                   <p:stCondLst>
                                     <p:cond delay="0"/>
                                   </p:stCondLst>
                                   <p:childTnLst>
                                     <p:cmd type="call" cmd="playFrom(0.0)">
                                       <p:cBhvr>
-                                        <p:cTn id="6" dur="17640" fill="hold"/>
+                                        <p:cTn id="6" dur="1" fill="hold"/>
                                         <p:tgtEl>
                                           <p:spTgt spid="7"/>
                                         </p:tgtEl>
@@ -4052,16 +4117,23 @@
                   </p:par>
                 </p:childTnLst>
               </p:cTn>
+              <p:prevCondLst>
+                <p:cond evt="onPrev" delay="0">
+                  <p:tgtEl>
+                    <p:sldTgt/>
+                  </p:tgtEl>
+                </p:cond>
+              </p:prevCondLst>
               <p:nextCondLst>
-                <p:cond evt="onClick" delay="0">
+                <p:cond evt="onNext" delay="0">
                   <p:tgtEl>
-                    <p:spTgt spid="7"/>
+                    <p:sldTgt/>
                   </p:tgtEl>
                 </p:cond>
               </p:nextCondLst>
             </p:seq>
             <p:audio>
-              <p:cMediaNode vol="80000">
+              <p:cMediaNode vol="80000" numSld="999" showWhenStopped="0">
                 <p:cTn id="7" fill="hold" display="0">
                   <p:stCondLst>
                     <p:cond delay="indefinite"/>
@@ -4142,7 +4214,7 @@
           <p:nvPr/>
         </p:nvPicPr>
         <p:blipFill>
-          <a:blip r:embed="rId2">
+          <a:blip r:embed="rId5">
             <a:extLst>
               <a:ext uri="{28A0092B-C50C-407E-A947-70E740481C1C}">
                 <a14:useLocalDpi xmlns:a14="http://schemas.microsoft.com/office/drawing/2010/main" val="0"/>
@@ -4185,7 +4257,7 @@
           <p:nvPr/>
         </p:nvPicPr>
         <p:blipFill rotWithShape="1">
-          <a:blip r:embed="rId3">
+          <a:blip r:embed="rId6">
             <a:extLst>
               <a:ext uri="{28A0092B-C50C-407E-A947-70E740481C1C}">
                 <a14:useLocalDpi xmlns:a14="http://schemas.microsoft.com/office/drawing/2010/main" val="0"/>
@@ -4227,7 +4299,7 @@
           <p:nvPr/>
         </p:nvPicPr>
         <p:blipFill>
-          <a:blip r:embed="rId4">
+          <a:blip r:embed="rId7">
             <a:extLst>
               <a:ext uri="{28A0092B-C50C-407E-A947-70E740481C1C}">
                 <a14:useLocalDpi xmlns:a14="http://schemas.microsoft.com/office/drawing/2010/main" val="0"/>
@@ -4268,7 +4340,7 @@
           <p:nvPr/>
         </p:nvPicPr>
         <p:blipFill rotWithShape="1">
-          <a:blip r:embed="rId5">
+          <a:blip r:embed="rId8">
             <a:extLst>
               <a:ext uri="{28A0092B-C50C-407E-A947-70E740481C1C}">
                 <a14:useLocalDpi xmlns:a14="http://schemas.microsoft.com/office/drawing/2010/main" val="0"/>
@@ -4310,7 +4382,7 @@
           <p:nvPr/>
         </p:nvPicPr>
         <p:blipFill>
-          <a:blip r:embed="rId6">
+          <a:blip r:embed="rId9">
             <a:extLst>
               <a:ext uri="{28A0092B-C50C-407E-A947-70E740481C1C}">
                 <a14:useLocalDpi xmlns:a14="http://schemas.microsoft.com/office/drawing/2010/main" val="0"/>
@@ -4351,7 +4423,7 @@
           <p:nvPr/>
         </p:nvPicPr>
         <p:blipFill>
-          <a:blip r:embed="rId7">
+          <a:blip r:embed="rId10">
             <a:extLst>
               <a:ext uri="{28A0092B-C50C-407E-A947-70E740481C1C}">
                 <a14:useLocalDpi xmlns:a14="http://schemas.microsoft.com/office/drawing/2010/main" val="0"/>
@@ -4392,7 +4464,7 @@
           <p:nvPr/>
         </p:nvPicPr>
         <p:blipFill>
-          <a:blip r:embed="rId8">
+          <a:blip r:embed="rId11">
             <a:extLst>
               <a:ext uri="{28A0092B-C50C-407E-A947-70E740481C1C}">
                 <a14:useLocalDpi xmlns:a14="http://schemas.microsoft.com/office/drawing/2010/main" val="0"/>
@@ -4424,6 +4496,44 @@
           </a:extLst>
         </p:spPr>
       </p:pic>
+      <p:pic>
+        <p:nvPicPr>
+          <p:cNvPr id="10" name="Recorded Sound">
+            <a:hlinkClick r:id="" action="ppaction://media"/>
+            <a:extLst>
+              <a:ext uri="{FF2B5EF4-FFF2-40B4-BE49-F238E27FC236}">
+                <a16:creationId xmlns:a16="http://schemas.microsoft.com/office/drawing/2014/main" id="{4CAC59DB-22CD-49DD-B4C5-DEBCCAB32970}"/>
+              </a:ext>
+            </a:extLst>
+          </p:cNvPr>
+          <p:cNvPicPr>
+            <a:picLocks noChangeAspect="1"/>
+          </p:cNvPicPr>
+          <p:nvPr>
+            <a:audioFile r:link="rId2"/>
+            <p:extLst>
+              <p:ext uri="{DAA4B4D4-6D71-4841-9C94-3DE7FCFB9230}">
+                <p14:media xmlns:p14="http://schemas.microsoft.com/office/powerpoint/2010/main" r:embed="rId1"/>
+              </p:ext>
+            </p:extLst>
+          </p:nvPr>
+        </p:nvPicPr>
+        <p:blipFill>
+          <a:blip r:embed="rId12"/>
+          <a:stretch>
+            <a:fillRect/>
+          </a:stretch>
+        </p:blipFill>
+        <p:spPr>
+          <a:xfrm>
+            <a:off x="287226" y="127136"/>
+            <a:ext cx="609600" cy="609600"/>
+          </a:xfrm>
+          <a:prstGeom prst="rect">
+            <a:avLst/>
+          </a:prstGeom>
+        </p:spPr>
+      </p:pic>
     </p:spTree>
     <p:extLst>
       <p:ext uri="{BB962C8B-B14F-4D97-AF65-F5344CB8AC3E}">
@@ -4437,6 +4547,93 @@
   <p:transition spd="slow">
     <p:cover/>
   </p:transition>
+  <p:timing>
+    <p:tnLst>
+      <p:par>
+        <p:cTn id="1" dur="indefinite" restart="never" nodeType="tmRoot">
+          <p:childTnLst>
+            <p:seq concurrent="1" nextAc="seek">
+              <p:cTn id="2" dur="indefinite" nodeType="mainSeq">
+                <p:childTnLst>
+                  <p:par>
+                    <p:cTn id="3" fill="hold">
+                      <p:stCondLst>
+                        <p:cond delay="indefinite"/>
+                        <p:cond evt="onBegin" delay="0">
+                          <p:tn val="2"/>
+                        </p:cond>
+                      </p:stCondLst>
+                      <p:childTnLst>
+                        <p:par>
+                          <p:cTn id="4" fill="hold">
+                            <p:stCondLst>
+                              <p:cond delay="0"/>
+                            </p:stCondLst>
+                            <p:childTnLst>
+                              <p:par>
+                                <p:cTn id="5" presetID="1" presetClass="mediacall" presetSubtype="0" fill="hold" nodeType="afterEffect">
+                                  <p:stCondLst>
+                                    <p:cond delay="0"/>
+                                  </p:stCondLst>
+                                  <p:childTnLst>
+                                    <p:cmd type="call" cmd="playFrom(0.0)">
+                                      <p:cBhvr>
+                                        <p:cTn id="6" dur="1" fill="hold"/>
+                                        <p:tgtEl>
+                                          <p:spTgt spid="10"/>
+                                        </p:tgtEl>
+                                      </p:cBhvr>
+                                    </p:cmd>
+                                  </p:childTnLst>
+                                </p:cTn>
+                              </p:par>
+                            </p:childTnLst>
+                          </p:cTn>
+                        </p:par>
+                      </p:childTnLst>
+                    </p:cTn>
+                  </p:par>
+                </p:childTnLst>
+              </p:cTn>
+              <p:prevCondLst>
+                <p:cond evt="onPrev" delay="0">
+                  <p:tgtEl>
+                    <p:sldTgt/>
+                  </p:tgtEl>
+                </p:cond>
+              </p:prevCondLst>
+              <p:nextCondLst>
+                <p:cond evt="onNext" delay="0">
+                  <p:tgtEl>
+                    <p:sldTgt/>
+                  </p:tgtEl>
+                </p:cond>
+              </p:nextCondLst>
+            </p:seq>
+            <p:audio>
+              <p:cMediaNode vol="80000" numSld="999" showWhenStopped="0">
+                <p:cTn id="7" fill="hold" display="0">
+                  <p:stCondLst>
+                    <p:cond delay="indefinite"/>
+                  </p:stCondLst>
+                  <p:endCondLst>
+                    <p:cond evt="onStopAudio" delay="0">
+                      <p:tgtEl>
+                        <p:sldTgt/>
+                      </p:tgtEl>
+                    </p:cond>
+                  </p:endCondLst>
+                </p:cTn>
+                <p:tgtEl>
+                  <p:spTgt spid="10"/>
+                </p:tgtEl>
+              </p:cMediaNode>
+            </p:audio>
+          </p:childTnLst>
+        </p:cTn>
+      </p:par>
+    </p:tnLst>
+  </p:timing>
 </p:sld>
 </file>
 
@@ -4495,7 +4692,7 @@
           <p:nvPr/>
         </p:nvPicPr>
         <p:blipFill rotWithShape="1">
-          <a:blip r:embed="rId2">
+          <a:blip r:embed="rId4">
             <a:extLst>
               <a:ext uri="{28A0092B-C50C-407E-A947-70E740481C1C}">
                 <a14:useLocalDpi xmlns:a14="http://schemas.microsoft.com/office/drawing/2010/main" val="0"/>
@@ -4525,6 +4722,44 @@
           </a:extLst>
         </p:spPr>
       </p:pic>
+      <p:pic>
+        <p:nvPicPr>
+          <p:cNvPr id="4" name="Recorded Sound">
+            <a:hlinkClick r:id="" action="ppaction://media"/>
+            <a:extLst>
+              <a:ext uri="{FF2B5EF4-FFF2-40B4-BE49-F238E27FC236}">
+                <a16:creationId xmlns:a16="http://schemas.microsoft.com/office/drawing/2014/main" id="{9960A494-C9EB-464D-B669-910ABB2DB37B}"/>
+              </a:ext>
+            </a:extLst>
+          </p:cNvPr>
+          <p:cNvPicPr>
+            <a:picLocks noChangeAspect="1"/>
+          </p:cNvPicPr>
+          <p:nvPr>
+            <a:audioFile r:link="rId2"/>
+            <p:extLst>
+              <p:ext uri="{DAA4B4D4-6D71-4841-9C94-3DE7FCFB9230}">
+                <p14:media xmlns:p14="http://schemas.microsoft.com/office/powerpoint/2010/main" r:embed="rId1"/>
+              </p:ext>
+            </p:extLst>
+          </p:nvPr>
+        </p:nvPicPr>
+        <p:blipFill>
+          <a:blip r:embed="rId5"/>
+          <a:stretch>
+            <a:fillRect/>
+          </a:stretch>
+        </p:blipFill>
+        <p:spPr>
+          <a:xfrm>
+            <a:off x="347382" y="193963"/>
+            <a:ext cx="609600" cy="609600"/>
+          </a:xfrm>
+          <a:prstGeom prst="rect">
+            <a:avLst/>
+          </a:prstGeom>
+        </p:spPr>
+      </p:pic>
     </p:spTree>
     <p:extLst>
       <p:ext uri="{BB962C8B-B14F-4D97-AF65-F5344CB8AC3E}">
@@ -4538,6 +4773,93 @@
   <p:transition spd="slow">
     <p:cover/>
   </p:transition>
+  <p:timing>
+    <p:tnLst>
+      <p:par>
+        <p:cTn id="1" dur="indefinite" restart="never" nodeType="tmRoot">
+          <p:childTnLst>
+            <p:seq concurrent="1" nextAc="seek">
+              <p:cTn id="2" dur="indefinite" nodeType="mainSeq">
+                <p:childTnLst>
+                  <p:par>
+                    <p:cTn id="3" fill="hold">
+                      <p:stCondLst>
+                        <p:cond delay="indefinite"/>
+                        <p:cond evt="onBegin" delay="0">
+                          <p:tn val="2"/>
+                        </p:cond>
+                      </p:stCondLst>
+                      <p:childTnLst>
+                        <p:par>
+                          <p:cTn id="4" fill="hold">
+                            <p:stCondLst>
+                              <p:cond delay="0"/>
+                            </p:stCondLst>
+                            <p:childTnLst>
+                              <p:par>
+                                <p:cTn id="5" presetID="1" presetClass="mediacall" presetSubtype="0" fill="hold" nodeType="afterEffect">
+                                  <p:stCondLst>
+                                    <p:cond delay="0"/>
+                                  </p:stCondLst>
+                                  <p:childTnLst>
+                                    <p:cmd type="call" cmd="playFrom(0.0)">
+                                      <p:cBhvr>
+                                        <p:cTn id="6" dur="1" fill="hold"/>
+                                        <p:tgtEl>
+                                          <p:spTgt spid="4"/>
+                                        </p:tgtEl>
+                                      </p:cBhvr>
+                                    </p:cmd>
+                                  </p:childTnLst>
+                                </p:cTn>
+                              </p:par>
+                            </p:childTnLst>
+                          </p:cTn>
+                        </p:par>
+                      </p:childTnLst>
+                    </p:cTn>
+                  </p:par>
+                </p:childTnLst>
+              </p:cTn>
+              <p:prevCondLst>
+                <p:cond evt="onPrev" delay="0">
+                  <p:tgtEl>
+                    <p:sldTgt/>
+                  </p:tgtEl>
+                </p:cond>
+              </p:prevCondLst>
+              <p:nextCondLst>
+                <p:cond evt="onNext" delay="0">
+                  <p:tgtEl>
+                    <p:sldTgt/>
+                  </p:tgtEl>
+                </p:cond>
+              </p:nextCondLst>
+            </p:seq>
+            <p:audio>
+              <p:cMediaNode vol="80000" numSld="999" showWhenStopped="0">
+                <p:cTn id="7" fill="hold" display="0">
+                  <p:stCondLst>
+                    <p:cond delay="indefinite"/>
+                  </p:stCondLst>
+                  <p:endCondLst>
+                    <p:cond evt="onStopAudio" delay="0">
+                      <p:tgtEl>
+                        <p:sldTgt/>
+                      </p:tgtEl>
+                    </p:cond>
+                  </p:endCondLst>
+                </p:cTn>
+                <p:tgtEl>
+                  <p:spTgt spid="4"/>
+                </p:tgtEl>
+              </p:cMediaNode>
+            </p:audio>
+          </p:childTnLst>
+        </p:cTn>
+      </p:par>
+    </p:tnLst>
+  </p:timing>
 </p:sld>
 </file>
 
